--- a/presentation.pptx
+++ b/presentation.pptx
@@ -5,7 +5,7 @@
     <p:sldMasterId id="2147483660" r:id="rId4"/>
   </p:sldMasterIdLst>
   <p:notesMasterIdLst>
-    <p:notesMasterId r:id="rId15"/>
+    <p:notesMasterId r:id="rId16"/>
   </p:notesMasterIdLst>
   <p:sldIdLst>
     <p:sldId id="278" r:id="rId5"/>
@@ -15,9 +15,10 @@
     <p:sldId id="282" r:id="rId9"/>
     <p:sldId id="283" r:id="rId10"/>
     <p:sldId id="284" r:id="rId11"/>
-    <p:sldId id="285" r:id="rId12"/>
-    <p:sldId id="286" r:id="rId13"/>
-    <p:sldId id="287" r:id="rId14"/>
+    <p:sldId id="288" r:id="rId12"/>
+    <p:sldId id="285" r:id="rId13"/>
+    <p:sldId id="286" r:id="rId14"/>
+    <p:sldId id="287" r:id="rId15"/>
   </p:sldIdLst>
   <p:sldSz cx="12192000" cy="6858000"/>
   <p:notesSz cx="6858000" cy="9144000"/>
@@ -1828,6 +1829,927 @@
 </file>
 
 <file path=ppt/diagrams/colors3.xml><?xml version="1.0" encoding="utf-8"?>
+<dgm:colorsDef xmlns:dgm="http://schemas.openxmlformats.org/drawingml/2006/diagram" xmlns:a="http://schemas.openxmlformats.org/drawingml/2006/main" uniqueId="urn:microsoft.com/office/officeart/2018/5/colors/Iconchunking_neutralicontext_colorful1">
+  <dgm:title val=""/>
+  <dgm:desc val=""/>
+  <dgm:catLst>
+    <dgm:cat type="colorful" pri="10100"/>
+  </dgm:catLst>
+  <dgm:styleLbl name="node0">
+    <dgm:fillClrLst meth="repeat">
+      <a:schemeClr val="accent1"/>
+    </dgm:fillClrLst>
+    <dgm:linClrLst meth="repeat">
+      <a:schemeClr val="lt1"/>
+    </dgm:linClrLst>
+    <dgm:effectClrLst/>
+    <dgm:txLinClrLst/>
+    <dgm:txFillClrLst/>
+    <dgm:txEffectClrLst/>
+  </dgm:styleLbl>
+  <dgm:styleLbl name="node1">
+    <dgm:fillClrLst meth="repeat">
+      <a:schemeClr val="bg1"/>
+    </dgm:fillClrLst>
+    <dgm:linClrLst meth="repeat">
+      <a:schemeClr val="lt1">
+        <a:alpha val="0"/>
+      </a:schemeClr>
+    </dgm:linClrLst>
+    <dgm:effectClrLst/>
+    <dgm:txLinClrLst/>
+    <dgm:txFillClrLst meth="repeat">
+      <a:schemeClr val="dk1"/>
+    </dgm:txFillClrLst>
+    <dgm:txEffectClrLst/>
+  </dgm:styleLbl>
+  <dgm:styleLbl name="alignNode1">
+    <dgm:fillClrLst meth="repeat">
+      <a:schemeClr val="accent2"/>
+      <a:schemeClr val="accent3"/>
+      <a:schemeClr val="accent4"/>
+      <a:schemeClr val="accent5"/>
+      <a:schemeClr val="accent6"/>
+    </dgm:fillClrLst>
+    <dgm:linClrLst meth="repeat">
+      <a:schemeClr val="accent2"/>
+      <a:schemeClr val="accent3"/>
+      <a:schemeClr val="accent4"/>
+      <a:schemeClr val="accent5"/>
+      <a:schemeClr val="accent6"/>
+    </dgm:linClrLst>
+    <dgm:effectClrLst/>
+    <dgm:txLinClrLst/>
+    <dgm:txFillClrLst/>
+    <dgm:txEffectClrLst/>
+  </dgm:styleLbl>
+  <dgm:styleLbl name="lnNode1">
+    <dgm:fillClrLst meth="repeat">
+      <a:schemeClr val="accent2"/>
+      <a:schemeClr val="accent3"/>
+      <a:schemeClr val="accent4"/>
+      <a:schemeClr val="accent5"/>
+      <a:schemeClr val="accent6"/>
+    </dgm:fillClrLst>
+    <dgm:linClrLst meth="repeat">
+      <a:schemeClr val="lt1"/>
+    </dgm:linClrLst>
+    <dgm:effectClrLst/>
+    <dgm:txLinClrLst/>
+    <dgm:txFillClrLst/>
+    <dgm:txEffectClrLst/>
+  </dgm:styleLbl>
+  <dgm:styleLbl name="vennNode1">
+    <dgm:fillClrLst meth="repeat">
+      <a:schemeClr val="accent2">
+        <a:alpha val="50000"/>
+      </a:schemeClr>
+      <a:schemeClr val="accent3">
+        <a:alpha val="50000"/>
+      </a:schemeClr>
+      <a:schemeClr val="accent4">
+        <a:alpha val="50000"/>
+      </a:schemeClr>
+      <a:schemeClr val="accent5">
+        <a:alpha val="50000"/>
+      </a:schemeClr>
+      <a:schemeClr val="accent6">
+        <a:alpha val="50000"/>
+      </a:schemeClr>
+    </dgm:fillClrLst>
+    <dgm:linClrLst meth="repeat">
+      <a:schemeClr val="lt1"/>
+    </dgm:linClrLst>
+    <dgm:effectClrLst/>
+    <dgm:txLinClrLst/>
+    <dgm:txFillClrLst/>
+    <dgm:txEffectClrLst/>
+  </dgm:styleLbl>
+  <dgm:styleLbl name="node2">
+    <dgm:fillClrLst>
+      <a:schemeClr val="accent2"/>
+    </dgm:fillClrLst>
+    <dgm:linClrLst meth="repeat">
+      <a:schemeClr val="lt1"/>
+    </dgm:linClrLst>
+    <dgm:effectClrLst/>
+    <dgm:txLinClrLst/>
+    <dgm:txFillClrLst/>
+    <dgm:txEffectClrLst/>
+  </dgm:styleLbl>
+  <dgm:styleLbl name="node3">
+    <dgm:fillClrLst>
+      <a:schemeClr val="accent3"/>
+    </dgm:fillClrLst>
+    <dgm:linClrLst meth="repeat">
+      <a:schemeClr val="lt1"/>
+    </dgm:linClrLst>
+    <dgm:effectClrLst/>
+    <dgm:txLinClrLst/>
+    <dgm:txFillClrLst/>
+    <dgm:txEffectClrLst/>
+  </dgm:styleLbl>
+  <dgm:styleLbl name="node4">
+    <dgm:fillClrLst>
+      <a:schemeClr val="accent4"/>
+    </dgm:fillClrLst>
+    <dgm:linClrLst meth="repeat">
+      <a:schemeClr val="lt1"/>
+    </dgm:linClrLst>
+    <dgm:effectClrLst/>
+    <dgm:txLinClrLst/>
+    <dgm:txFillClrLst/>
+    <dgm:txEffectClrLst/>
+  </dgm:styleLbl>
+  <dgm:styleLbl name="fgImgPlace1">
+    <dgm:fillClrLst meth="repeat">
+      <a:schemeClr val="accent2">
+        <a:tint val="50000"/>
+      </a:schemeClr>
+      <a:schemeClr val="accent3">
+        <a:tint val="50000"/>
+      </a:schemeClr>
+      <a:schemeClr val="accent4">
+        <a:tint val="50000"/>
+      </a:schemeClr>
+      <a:schemeClr val="accent5">
+        <a:tint val="50000"/>
+      </a:schemeClr>
+      <a:schemeClr val="accent6">
+        <a:tint val="50000"/>
+      </a:schemeClr>
+    </dgm:fillClrLst>
+    <dgm:linClrLst meth="repeat">
+      <a:schemeClr val="lt1"/>
+    </dgm:linClrLst>
+    <dgm:effectClrLst/>
+    <dgm:txLinClrLst/>
+    <dgm:txFillClrLst meth="repeat">
+      <a:schemeClr val="lt1"/>
+    </dgm:txFillClrLst>
+    <dgm:txEffectClrLst/>
+  </dgm:styleLbl>
+  <dgm:styleLbl name="alignImgPlace1">
+    <dgm:fillClrLst>
+      <a:schemeClr val="accent1">
+        <a:tint val="50000"/>
+      </a:schemeClr>
+      <a:schemeClr val="accent2">
+        <a:tint val="20000"/>
+      </a:schemeClr>
+    </dgm:fillClrLst>
+    <dgm:linClrLst meth="repeat">
+      <a:schemeClr val="lt1"/>
+    </dgm:linClrLst>
+    <dgm:effectClrLst/>
+    <dgm:txLinClrLst/>
+    <dgm:txFillClrLst meth="repeat">
+      <a:schemeClr val="lt1"/>
+    </dgm:txFillClrLst>
+    <dgm:txEffectClrLst/>
+  </dgm:styleLbl>
+  <dgm:styleLbl name="bgImgPlace1">
+    <dgm:fillClrLst>
+      <a:schemeClr val="accent1">
+        <a:tint val="50000"/>
+      </a:schemeClr>
+      <a:schemeClr val="accent2">
+        <a:tint val="20000"/>
+      </a:schemeClr>
+    </dgm:fillClrLst>
+    <dgm:linClrLst meth="repeat">
+      <a:schemeClr val="lt1"/>
+    </dgm:linClrLst>
+    <dgm:effectClrLst/>
+    <dgm:txLinClrLst/>
+    <dgm:txFillClrLst meth="repeat">
+      <a:schemeClr val="lt1"/>
+    </dgm:txFillClrLst>
+    <dgm:txEffectClrLst/>
+  </dgm:styleLbl>
+  <dgm:styleLbl name="sibTrans2D1">
+    <dgm:fillClrLst meth="repeat">
+      <a:schemeClr val="accent2"/>
+      <a:schemeClr val="accent3"/>
+      <a:schemeClr val="accent4"/>
+      <a:schemeClr val="accent5"/>
+      <a:schemeClr val="accent6"/>
+    </dgm:fillClrLst>
+    <dgm:linClrLst meth="cycle">
+      <a:schemeClr val="lt1"/>
+    </dgm:linClrLst>
+    <dgm:effectClrLst/>
+    <dgm:txLinClrLst/>
+    <dgm:txFillClrLst/>
+    <dgm:txEffectClrLst/>
+  </dgm:styleLbl>
+  <dgm:styleLbl name="fgSibTrans2D1">
+    <dgm:fillClrLst meth="repeat">
+      <a:schemeClr val="accent2"/>
+      <a:schemeClr val="accent3"/>
+      <a:schemeClr val="accent4"/>
+      <a:schemeClr val="accent5"/>
+      <a:schemeClr val="accent6"/>
+    </dgm:fillClrLst>
+    <dgm:linClrLst meth="cycle">
+      <a:schemeClr val="lt1"/>
+    </dgm:linClrLst>
+    <dgm:effectClrLst/>
+    <dgm:txLinClrLst/>
+    <dgm:txFillClrLst meth="repeat">
+      <a:schemeClr val="lt1"/>
+    </dgm:txFillClrLst>
+    <dgm:txEffectClrLst/>
+  </dgm:styleLbl>
+  <dgm:styleLbl name="bgSibTrans2D1">
+    <dgm:fillClrLst meth="repeat">
+      <a:schemeClr val="accent2"/>
+      <a:schemeClr val="accent3"/>
+      <a:schemeClr val="accent4"/>
+      <a:schemeClr val="accent5"/>
+      <a:schemeClr val="accent6"/>
+    </dgm:fillClrLst>
+    <dgm:linClrLst meth="cycle">
+      <a:schemeClr val="lt1"/>
+    </dgm:linClrLst>
+    <dgm:effectClrLst/>
+    <dgm:txLinClrLst/>
+    <dgm:txFillClrLst meth="repeat">
+      <a:schemeClr val="lt1"/>
+    </dgm:txFillClrLst>
+    <dgm:txEffectClrLst/>
+  </dgm:styleLbl>
+  <dgm:styleLbl name="sibTrans1D1">
+    <dgm:fillClrLst meth="repeat">
+      <a:schemeClr val="accent2"/>
+      <a:schemeClr val="accent3"/>
+      <a:schemeClr val="accent4"/>
+      <a:schemeClr val="accent5"/>
+      <a:schemeClr val="accent6"/>
+    </dgm:fillClrLst>
+    <dgm:linClrLst meth="repeat">
+      <a:schemeClr val="accent2"/>
+      <a:schemeClr val="accent3"/>
+      <a:schemeClr val="accent4"/>
+      <a:schemeClr val="accent5"/>
+      <a:schemeClr val="accent6"/>
+    </dgm:linClrLst>
+    <dgm:effectClrLst/>
+    <dgm:txLinClrLst/>
+    <dgm:txFillClrLst meth="repeat">
+      <a:schemeClr val="tx1"/>
+    </dgm:txFillClrLst>
+    <dgm:txEffectClrLst/>
+  </dgm:styleLbl>
+  <dgm:styleLbl name="callout">
+    <dgm:fillClrLst meth="repeat">
+      <a:schemeClr val="accent2"/>
+    </dgm:fillClrLst>
+    <dgm:linClrLst meth="repeat">
+      <a:schemeClr val="accent2">
+        <a:tint val="50000"/>
+      </a:schemeClr>
+    </dgm:linClrLst>
+    <dgm:effectClrLst/>
+    <dgm:txLinClrLst/>
+    <dgm:txFillClrLst meth="repeat">
+      <a:schemeClr val="tx1"/>
+    </dgm:txFillClrLst>
+    <dgm:txEffectClrLst/>
+  </dgm:styleLbl>
+  <dgm:styleLbl name="asst0">
+    <dgm:fillClrLst meth="repeat">
+      <a:schemeClr val="accent1"/>
+    </dgm:fillClrLst>
+    <dgm:linClrLst meth="repeat">
+      <a:schemeClr val="lt1"/>
+    </dgm:linClrLst>
+    <dgm:effectClrLst/>
+    <dgm:txLinClrLst/>
+    <dgm:txFillClrLst/>
+    <dgm:txEffectClrLst/>
+  </dgm:styleLbl>
+  <dgm:styleLbl name="asst1">
+    <dgm:fillClrLst meth="repeat">
+      <a:schemeClr val="accent2"/>
+    </dgm:fillClrLst>
+    <dgm:linClrLst meth="repeat">
+      <a:schemeClr val="lt1"/>
+    </dgm:linClrLst>
+    <dgm:effectClrLst/>
+    <dgm:txLinClrLst/>
+    <dgm:txFillClrLst/>
+    <dgm:txEffectClrLst/>
+  </dgm:styleLbl>
+  <dgm:styleLbl name="asst2">
+    <dgm:fillClrLst>
+      <a:schemeClr val="accent3"/>
+    </dgm:fillClrLst>
+    <dgm:linClrLst meth="repeat">
+      <a:schemeClr val="lt1"/>
+    </dgm:linClrLst>
+    <dgm:effectClrLst/>
+    <dgm:txLinClrLst/>
+    <dgm:txFillClrLst/>
+    <dgm:txEffectClrLst/>
+  </dgm:styleLbl>
+  <dgm:styleLbl name="asst3">
+    <dgm:fillClrLst>
+      <a:schemeClr val="accent4"/>
+    </dgm:fillClrLst>
+    <dgm:linClrLst meth="repeat">
+      <a:schemeClr val="lt1"/>
+    </dgm:linClrLst>
+    <dgm:effectClrLst/>
+    <dgm:txLinClrLst/>
+    <dgm:txFillClrLst/>
+    <dgm:txEffectClrLst/>
+  </dgm:styleLbl>
+  <dgm:styleLbl name="asst4">
+    <dgm:fillClrLst>
+      <a:schemeClr val="accent5"/>
+    </dgm:fillClrLst>
+    <dgm:linClrLst meth="repeat">
+      <a:schemeClr val="lt1"/>
+    </dgm:linClrLst>
+    <dgm:effectClrLst/>
+    <dgm:txLinClrLst/>
+    <dgm:txFillClrLst/>
+    <dgm:txEffectClrLst/>
+  </dgm:styleLbl>
+  <dgm:styleLbl name="parChTrans2D1">
+    <dgm:fillClrLst meth="repeat">
+      <a:schemeClr val="accent2"/>
+    </dgm:fillClrLst>
+    <dgm:linClrLst meth="repeat">
+      <a:schemeClr val="lt1"/>
+    </dgm:linClrLst>
+    <dgm:effectClrLst/>
+    <dgm:txLinClrLst/>
+    <dgm:txFillClrLst meth="repeat">
+      <a:schemeClr val="lt1"/>
+    </dgm:txFillClrLst>
+    <dgm:txEffectClrLst/>
+  </dgm:styleLbl>
+  <dgm:styleLbl name="parChTrans2D2">
+    <dgm:fillClrLst meth="repeat">
+      <a:schemeClr val="accent3"/>
+    </dgm:fillClrLst>
+    <dgm:linClrLst meth="repeat">
+      <a:schemeClr val="lt1"/>
+    </dgm:linClrLst>
+    <dgm:effectClrLst/>
+    <dgm:txLinClrLst/>
+    <dgm:txFillClrLst/>
+    <dgm:txEffectClrLst/>
+  </dgm:styleLbl>
+  <dgm:styleLbl name="parChTrans2D3">
+    <dgm:fillClrLst meth="repeat">
+      <a:schemeClr val="accent4"/>
+    </dgm:fillClrLst>
+    <dgm:linClrLst meth="repeat">
+      <a:schemeClr val="lt1"/>
+    </dgm:linClrLst>
+    <dgm:effectClrLst/>
+    <dgm:txLinClrLst/>
+    <dgm:txFillClrLst/>
+    <dgm:txEffectClrLst/>
+  </dgm:styleLbl>
+  <dgm:styleLbl name="parChTrans2D4">
+    <dgm:fillClrLst meth="repeat">
+      <a:schemeClr val="accent5"/>
+    </dgm:fillClrLst>
+    <dgm:linClrLst meth="repeat">
+      <a:schemeClr val="lt1"/>
+    </dgm:linClrLst>
+    <dgm:effectClrLst/>
+    <dgm:txLinClrLst/>
+    <dgm:txFillClrLst meth="repeat">
+      <a:schemeClr val="lt1"/>
+    </dgm:txFillClrLst>
+    <dgm:txEffectClrLst/>
+  </dgm:styleLbl>
+  <dgm:styleLbl name="parChTrans1D1">
+    <dgm:fillClrLst meth="repeat">
+      <a:schemeClr val="accent2"/>
+    </dgm:fillClrLst>
+    <dgm:linClrLst meth="repeat">
+      <a:schemeClr val="accent1"/>
+    </dgm:linClrLst>
+    <dgm:effectClrLst/>
+    <dgm:txLinClrLst/>
+    <dgm:txFillClrLst meth="repeat">
+      <a:schemeClr val="tx1"/>
+    </dgm:txFillClrLst>
+    <dgm:txEffectClrLst/>
+  </dgm:styleLbl>
+  <dgm:styleLbl name="parChTrans1D2">
+    <dgm:fillClrLst meth="repeat">
+      <a:schemeClr val="accent3">
+        <a:tint val="90000"/>
+      </a:schemeClr>
+    </dgm:fillClrLst>
+    <dgm:linClrLst meth="repeat">
+      <a:schemeClr val="accent2"/>
+    </dgm:linClrLst>
+    <dgm:effectClrLst/>
+    <dgm:txLinClrLst/>
+    <dgm:txFillClrLst meth="repeat">
+      <a:schemeClr val="tx1"/>
+    </dgm:txFillClrLst>
+    <dgm:txEffectClrLst/>
+  </dgm:styleLbl>
+  <dgm:styleLbl name="parChTrans1D3">
+    <dgm:fillClrLst meth="repeat">
+      <a:schemeClr val="accent4">
+        <a:tint val="70000"/>
+      </a:schemeClr>
+    </dgm:fillClrLst>
+    <dgm:linClrLst meth="repeat">
+      <a:schemeClr val="accent3"/>
+    </dgm:linClrLst>
+    <dgm:effectClrLst/>
+    <dgm:txLinClrLst/>
+    <dgm:txFillClrLst meth="repeat">
+      <a:schemeClr val="tx1"/>
+    </dgm:txFillClrLst>
+    <dgm:txEffectClrLst/>
+  </dgm:styleLbl>
+  <dgm:styleLbl name="parChTrans1D4">
+    <dgm:fillClrLst meth="repeat">
+      <a:schemeClr val="accent5">
+        <a:tint val="50000"/>
+      </a:schemeClr>
+    </dgm:fillClrLst>
+    <dgm:linClrLst meth="repeat">
+      <a:schemeClr val="accent4"/>
+    </dgm:linClrLst>
+    <dgm:effectClrLst/>
+    <dgm:txLinClrLst/>
+    <dgm:txFillClrLst meth="repeat">
+      <a:schemeClr val="tx1"/>
+    </dgm:txFillClrLst>
+    <dgm:txEffectClrLst/>
+  </dgm:styleLbl>
+  <dgm:styleLbl name="fgAcc1">
+    <dgm:fillClrLst meth="repeat">
+      <a:schemeClr val="lt1">
+        <a:alpha val="90000"/>
+      </a:schemeClr>
+    </dgm:fillClrLst>
+    <dgm:linClrLst meth="repeat">
+      <a:schemeClr val="accent2"/>
+      <a:schemeClr val="accent3"/>
+      <a:schemeClr val="accent4"/>
+      <a:schemeClr val="accent5"/>
+      <a:schemeClr val="accent6"/>
+    </dgm:linClrLst>
+    <dgm:effectClrLst/>
+    <dgm:txLinClrLst/>
+    <dgm:txFillClrLst meth="repeat">
+      <a:schemeClr val="dk1"/>
+    </dgm:txFillClrLst>
+    <dgm:txEffectClrLst/>
+  </dgm:styleLbl>
+  <dgm:styleLbl name="conFgAcc1">
+    <dgm:fillClrLst meth="repeat">
+      <a:schemeClr val="lt1">
+        <a:alpha val="90000"/>
+      </a:schemeClr>
+    </dgm:fillClrLst>
+    <dgm:linClrLst meth="repeat">
+      <a:schemeClr val="accent2"/>
+      <a:schemeClr val="accent3"/>
+      <a:schemeClr val="accent4"/>
+      <a:schemeClr val="accent5"/>
+      <a:schemeClr val="accent6"/>
+    </dgm:linClrLst>
+    <dgm:effectClrLst/>
+    <dgm:txLinClrLst/>
+    <dgm:txFillClrLst meth="repeat">
+      <a:schemeClr val="dk1"/>
+    </dgm:txFillClrLst>
+    <dgm:txEffectClrLst/>
+  </dgm:styleLbl>
+  <dgm:styleLbl name="alignAcc1">
+    <dgm:fillClrLst meth="repeat">
+      <a:schemeClr val="lt1">
+        <a:alpha val="90000"/>
+      </a:schemeClr>
+    </dgm:fillClrLst>
+    <dgm:linClrLst meth="repeat">
+      <a:schemeClr val="accent2"/>
+      <a:schemeClr val="accent3"/>
+      <a:schemeClr val="accent4"/>
+      <a:schemeClr val="accent5"/>
+      <a:schemeClr val="accent6"/>
+    </dgm:linClrLst>
+    <dgm:effectClrLst/>
+    <dgm:txLinClrLst/>
+    <dgm:txFillClrLst meth="repeat">
+      <a:schemeClr val="dk1"/>
+    </dgm:txFillClrLst>
+    <dgm:txEffectClrLst/>
+  </dgm:styleLbl>
+  <dgm:styleLbl name="trAlignAcc1">
+    <dgm:fillClrLst meth="repeat">
+      <a:schemeClr val="lt1">
+        <a:alpha val="40000"/>
+      </a:schemeClr>
+    </dgm:fillClrLst>
+    <dgm:linClrLst meth="repeat">
+      <a:schemeClr val="accent1"/>
+    </dgm:linClrLst>
+    <dgm:effectClrLst/>
+    <dgm:txLinClrLst/>
+    <dgm:txFillClrLst meth="repeat">
+      <a:schemeClr val="dk1"/>
+    </dgm:txFillClrLst>
+    <dgm:txEffectClrLst/>
+  </dgm:styleLbl>
+  <dgm:styleLbl name="bgAcc1">
+    <dgm:fillClrLst meth="repeat">
+      <a:schemeClr val="lt1">
+        <a:alpha val="90000"/>
+      </a:schemeClr>
+    </dgm:fillClrLst>
+    <dgm:linClrLst meth="repeat">
+      <a:schemeClr val="accent2"/>
+      <a:schemeClr val="accent3"/>
+      <a:schemeClr val="accent4"/>
+      <a:schemeClr val="accent5"/>
+      <a:schemeClr val="accent6"/>
+    </dgm:linClrLst>
+    <dgm:effectClrLst/>
+    <dgm:txLinClrLst/>
+    <dgm:txFillClrLst meth="repeat">
+      <a:schemeClr val="dk1"/>
+    </dgm:txFillClrLst>
+    <dgm:txEffectClrLst/>
+  </dgm:styleLbl>
+  <dgm:styleLbl name="solidFgAcc1">
+    <dgm:fillClrLst meth="repeat">
+      <a:schemeClr val="lt1"/>
+    </dgm:fillClrLst>
+    <dgm:linClrLst meth="repeat">
+      <a:schemeClr val="accent2"/>
+      <a:schemeClr val="accent3"/>
+      <a:schemeClr val="accent4"/>
+      <a:schemeClr val="accent5"/>
+      <a:schemeClr val="accent6"/>
+    </dgm:linClrLst>
+    <dgm:effectClrLst/>
+    <dgm:txLinClrLst/>
+    <dgm:txFillClrLst meth="repeat">
+      <a:schemeClr val="dk1"/>
+    </dgm:txFillClrLst>
+    <dgm:txEffectClrLst/>
+  </dgm:styleLbl>
+  <dgm:styleLbl name="solidAlignAcc1">
+    <dgm:fillClrLst meth="repeat">
+      <a:schemeClr val="lt1"/>
+    </dgm:fillClrLst>
+    <dgm:linClrLst meth="repeat">
+      <a:schemeClr val="accent2"/>
+      <a:schemeClr val="accent3"/>
+      <a:schemeClr val="accent4"/>
+      <a:schemeClr val="accent5"/>
+      <a:schemeClr val="accent6"/>
+    </dgm:linClrLst>
+    <dgm:effectClrLst/>
+    <dgm:txLinClrLst/>
+    <dgm:txFillClrLst meth="repeat">
+      <a:schemeClr val="dk1"/>
+    </dgm:txFillClrLst>
+    <dgm:txEffectClrLst/>
+  </dgm:styleLbl>
+  <dgm:styleLbl name="solidBgAcc1">
+    <dgm:fillClrLst meth="repeat">
+      <a:schemeClr val="lt1"/>
+    </dgm:fillClrLst>
+    <dgm:linClrLst meth="repeat">
+      <a:schemeClr val="accent2"/>
+      <a:schemeClr val="accent3"/>
+      <a:schemeClr val="accent4"/>
+      <a:schemeClr val="accent5"/>
+      <a:schemeClr val="accent6"/>
+    </dgm:linClrLst>
+    <dgm:effectClrLst/>
+    <dgm:txLinClrLst/>
+    <dgm:txFillClrLst meth="repeat">
+      <a:schemeClr val="dk1"/>
+    </dgm:txFillClrLst>
+    <dgm:txEffectClrLst/>
+  </dgm:styleLbl>
+  <dgm:styleLbl name="fgAccFollowNode1">
+    <dgm:fillClrLst meth="repeat">
+      <a:schemeClr val="accent2">
+        <a:tint val="40000"/>
+        <a:alpha val="90000"/>
+      </a:schemeClr>
+      <a:schemeClr val="accent3">
+        <a:tint val="40000"/>
+        <a:alpha val="90000"/>
+      </a:schemeClr>
+      <a:schemeClr val="accent4">
+        <a:tint val="40000"/>
+        <a:alpha val="90000"/>
+      </a:schemeClr>
+      <a:schemeClr val="accent5">
+        <a:tint val="40000"/>
+        <a:alpha val="90000"/>
+      </a:schemeClr>
+      <a:schemeClr val="accent6">
+        <a:tint val="40000"/>
+        <a:alpha val="90000"/>
+      </a:schemeClr>
+    </dgm:fillClrLst>
+    <dgm:linClrLst meth="repeat">
+      <a:schemeClr val="accent2">
+        <a:tint val="40000"/>
+        <a:alpha val="90000"/>
+      </a:schemeClr>
+      <a:schemeClr val="accent3">
+        <a:tint val="40000"/>
+        <a:alpha val="90000"/>
+      </a:schemeClr>
+      <a:schemeClr val="accent4">
+        <a:tint val="40000"/>
+        <a:alpha val="90000"/>
+      </a:schemeClr>
+      <a:schemeClr val="accent5">
+        <a:tint val="40000"/>
+        <a:alpha val="90000"/>
+      </a:schemeClr>
+      <a:schemeClr val="accent6">
+        <a:tint val="40000"/>
+        <a:alpha val="90000"/>
+      </a:schemeClr>
+    </dgm:linClrLst>
+    <dgm:effectClrLst/>
+    <dgm:txLinClrLst/>
+    <dgm:txFillClrLst meth="repeat">
+      <a:schemeClr val="dk1"/>
+    </dgm:txFillClrLst>
+    <dgm:txEffectClrLst/>
+  </dgm:styleLbl>
+  <dgm:styleLbl name="alignAccFollowNode1">
+    <dgm:fillClrLst meth="repeat">
+      <a:schemeClr val="accent2">
+        <a:tint val="40000"/>
+        <a:alpha val="90000"/>
+      </a:schemeClr>
+      <a:schemeClr val="accent3">
+        <a:tint val="40000"/>
+        <a:alpha val="90000"/>
+      </a:schemeClr>
+      <a:schemeClr val="accent4">
+        <a:tint val="40000"/>
+        <a:alpha val="90000"/>
+      </a:schemeClr>
+      <a:schemeClr val="accent5">
+        <a:tint val="40000"/>
+        <a:alpha val="90000"/>
+      </a:schemeClr>
+      <a:schemeClr val="accent6">
+        <a:tint val="40000"/>
+        <a:alpha val="90000"/>
+      </a:schemeClr>
+    </dgm:fillClrLst>
+    <dgm:linClrLst meth="repeat">
+      <a:schemeClr val="accent2">
+        <a:tint val="40000"/>
+        <a:alpha val="90000"/>
+      </a:schemeClr>
+      <a:schemeClr val="accent3">
+        <a:tint val="40000"/>
+        <a:alpha val="90000"/>
+      </a:schemeClr>
+      <a:schemeClr val="accent4">
+        <a:tint val="40000"/>
+        <a:alpha val="90000"/>
+      </a:schemeClr>
+      <a:schemeClr val="accent5">
+        <a:tint val="40000"/>
+        <a:alpha val="90000"/>
+      </a:schemeClr>
+      <a:schemeClr val="accent6">
+        <a:tint val="40000"/>
+        <a:alpha val="90000"/>
+      </a:schemeClr>
+    </dgm:linClrLst>
+    <dgm:effectClrLst/>
+    <dgm:txLinClrLst/>
+    <dgm:txFillClrLst meth="repeat">
+      <a:schemeClr val="dk1"/>
+    </dgm:txFillClrLst>
+    <dgm:txEffectClrLst/>
+  </dgm:styleLbl>
+  <dgm:styleLbl name="bgAccFollowNode1">
+    <dgm:fillClrLst meth="repeat">
+      <a:schemeClr val="accent2">
+        <a:tint val="40000"/>
+        <a:alpha val="90000"/>
+      </a:schemeClr>
+      <a:schemeClr val="accent3">
+        <a:tint val="40000"/>
+        <a:alpha val="90000"/>
+      </a:schemeClr>
+      <a:schemeClr val="accent4">
+        <a:tint val="40000"/>
+        <a:alpha val="90000"/>
+      </a:schemeClr>
+      <a:schemeClr val="accent5">
+        <a:tint val="40000"/>
+        <a:alpha val="90000"/>
+      </a:schemeClr>
+      <a:schemeClr val="accent6">
+        <a:tint val="40000"/>
+        <a:alpha val="90000"/>
+      </a:schemeClr>
+    </dgm:fillClrLst>
+    <dgm:linClrLst meth="repeat">
+      <a:schemeClr val="accent2">
+        <a:tint val="40000"/>
+        <a:alpha val="90000"/>
+      </a:schemeClr>
+      <a:schemeClr val="accent3">
+        <a:tint val="40000"/>
+        <a:alpha val="90000"/>
+      </a:schemeClr>
+      <a:schemeClr val="accent4">
+        <a:tint val="40000"/>
+        <a:alpha val="90000"/>
+      </a:schemeClr>
+      <a:schemeClr val="accent5">
+        <a:tint val="40000"/>
+        <a:alpha val="90000"/>
+      </a:schemeClr>
+      <a:schemeClr val="accent6">
+        <a:tint val="40000"/>
+        <a:alpha val="90000"/>
+      </a:schemeClr>
+    </dgm:linClrLst>
+    <dgm:effectClrLst/>
+    <dgm:txLinClrLst/>
+    <dgm:txFillClrLst meth="repeat">
+      <a:schemeClr val="dk1"/>
+    </dgm:txFillClrLst>
+    <dgm:txEffectClrLst/>
+  </dgm:styleLbl>
+  <dgm:styleLbl name="fgAcc0">
+    <dgm:fillClrLst meth="repeat">
+      <a:schemeClr val="lt1">
+        <a:alpha val="90000"/>
+      </a:schemeClr>
+    </dgm:fillClrLst>
+    <dgm:linClrLst>
+      <a:schemeClr val="accent1"/>
+    </dgm:linClrLst>
+    <dgm:effectClrLst/>
+    <dgm:txLinClrLst/>
+    <dgm:txFillClrLst meth="repeat">
+      <a:schemeClr val="dk1"/>
+    </dgm:txFillClrLst>
+    <dgm:txEffectClrLst/>
+  </dgm:styleLbl>
+  <dgm:styleLbl name="fgAcc2">
+    <dgm:fillClrLst meth="repeat">
+      <a:schemeClr val="lt1">
+        <a:alpha val="90000"/>
+      </a:schemeClr>
+    </dgm:fillClrLst>
+    <dgm:linClrLst>
+      <a:schemeClr val="accent2"/>
+    </dgm:linClrLst>
+    <dgm:effectClrLst/>
+    <dgm:txLinClrLst/>
+    <dgm:txFillClrLst meth="repeat">
+      <a:schemeClr val="dk1"/>
+    </dgm:txFillClrLst>
+    <dgm:txEffectClrLst/>
+  </dgm:styleLbl>
+  <dgm:styleLbl name="fgAcc3">
+    <dgm:fillClrLst meth="repeat">
+      <a:schemeClr val="lt1">
+        <a:alpha val="90000"/>
+      </a:schemeClr>
+    </dgm:fillClrLst>
+    <dgm:linClrLst>
+      <a:schemeClr val="accent3"/>
+    </dgm:linClrLst>
+    <dgm:effectClrLst/>
+    <dgm:txLinClrLst/>
+    <dgm:txFillClrLst meth="repeat">
+      <a:schemeClr val="dk1"/>
+    </dgm:txFillClrLst>
+    <dgm:txEffectClrLst/>
+  </dgm:styleLbl>
+  <dgm:styleLbl name="fgAcc4">
+    <dgm:fillClrLst meth="repeat">
+      <a:schemeClr val="lt1">
+        <a:alpha val="90000"/>
+      </a:schemeClr>
+    </dgm:fillClrLst>
+    <dgm:linClrLst>
+      <a:schemeClr val="accent4"/>
+    </dgm:linClrLst>
+    <dgm:effectClrLst/>
+    <dgm:txLinClrLst/>
+    <dgm:txFillClrLst meth="repeat">
+      <a:schemeClr val="dk1"/>
+    </dgm:txFillClrLst>
+    <dgm:txEffectClrLst/>
+  </dgm:styleLbl>
+  <dgm:styleLbl name="bgShp">
+    <dgm:fillClrLst meth="repeat">
+      <a:schemeClr val="accent2"/>
+      <a:schemeClr val="accent3"/>
+      <a:schemeClr val="accent4"/>
+      <a:schemeClr val="accent5"/>
+      <a:schemeClr val="accent6"/>
+    </dgm:fillClrLst>
+    <dgm:linClrLst meth="repeat">
+      <a:schemeClr val="lt1">
+        <a:alpha val="0"/>
+      </a:schemeClr>
+    </dgm:linClrLst>
+    <dgm:effectClrLst/>
+    <dgm:txLinClrLst/>
+    <dgm:txFillClrLst/>
+    <dgm:txEffectClrLst/>
+  </dgm:styleLbl>
+  <dgm:styleLbl name="dkBgShp">
+    <dgm:fillClrLst meth="repeat">
+      <a:schemeClr val="accent2">
+        <a:shade val="90000"/>
+      </a:schemeClr>
+    </dgm:fillClrLst>
+    <dgm:linClrLst meth="repeat">
+      <a:schemeClr val="dk1"/>
+    </dgm:linClrLst>
+    <dgm:effectClrLst/>
+    <dgm:txLinClrLst/>
+    <dgm:txFillClrLst meth="repeat">
+      <a:schemeClr val="lt1"/>
+    </dgm:txFillClrLst>
+    <dgm:txEffectClrLst/>
+  </dgm:styleLbl>
+  <dgm:styleLbl name="trBgShp">
+    <dgm:fillClrLst meth="repeat">
+      <a:schemeClr val="accent1">
+        <a:tint val="50000"/>
+        <a:alpha val="40000"/>
+      </a:schemeClr>
+    </dgm:fillClrLst>
+    <dgm:linClrLst meth="repeat">
+      <a:schemeClr val="accent2"/>
+    </dgm:linClrLst>
+    <dgm:effectClrLst/>
+    <dgm:txLinClrLst/>
+    <dgm:txFillClrLst meth="repeat">
+      <a:schemeClr val="lt1"/>
+    </dgm:txFillClrLst>
+    <dgm:txEffectClrLst/>
+  </dgm:styleLbl>
+  <dgm:styleLbl name="fgShp">
+    <dgm:fillClrLst meth="repeat">
+      <a:schemeClr val="accent2">
+        <a:tint val="40000"/>
+      </a:schemeClr>
+    </dgm:fillClrLst>
+    <dgm:linClrLst meth="repeat">
+      <a:schemeClr val="lt1"/>
+    </dgm:linClrLst>
+    <dgm:effectClrLst/>
+    <dgm:txLinClrLst/>
+    <dgm:txFillClrLst meth="repeat">
+      <a:schemeClr val="dk1"/>
+    </dgm:txFillClrLst>
+    <dgm:txEffectClrLst/>
+  </dgm:styleLbl>
+  <dgm:styleLbl name="revTx">
+    <dgm:fillClrLst meth="repeat">
+      <a:schemeClr val="lt1">
+        <a:alpha val="0"/>
+      </a:schemeClr>
+    </dgm:fillClrLst>
+    <dgm:linClrLst meth="repeat">
+      <a:schemeClr val="dk1">
+        <a:alpha val="0"/>
+      </a:schemeClr>
+    </dgm:linClrLst>
+    <dgm:effectClrLst/>
+    <dgm:txLinClrLst/>
+    <dgm:txFillClrLst meth="repeat">
+      <a:schemeClr val="bg1"/>
+    </dgm:txFillClrLst>
+    <dgm:txEffectClrLst/>
+  </dgm:styleLbl>
+</dgm:colorsDef>
+</file>
+
+<file path=ppt/diagrams/colors4.xml><?xml version="1.0" encoding="utf-8"?>
 <dgm:colorsDef xmlns:dgm="http://schemas.openxmlformats.org/drawingml/2006/diagram" xmlns:a="http://schemas.openxmlformats.org/drawingml/2006/main" uniqueId="urn:microsoft.com/office/officeart/2005/8/colors/colorful2">
   <dgm:title val=""/>
   <dgm:desc val=""/>
@@ -3133,6 +4055,232 @@
 </file>
 
 <file path=ppt/diagrams/data3.xml><?xml version="1.0" encoding="utf-8"?>
+<dgm:dataModel xmlns:dgm="http://schemas.openxmlformats.org/drawingml/2006/diagram" xmlns:a="http://schemas.openxmlformats.org/drawingml/2006/main">
+  <dgm:ptLst>
+    <dgm:pt modelId="{910F0362-1A57-4FE5-8C5E-2F3DF0345D79}" type="doc">
+      <dgm:prSet loTypeId="urn:microsoft.com/office/officeart/2018/2/layout/IconVerticalSolidList" loCatId="icon" qsTypeId="urn:microsoft.com/office/officeart/2005/8/quickstyle/simple1" qsCatId="simple" csTypeId="urn:microsoft.com/office/officeart/2018/5/colors/Iconchunking_neutralicontext_colorful1" csCatId="colorful" phldr="1"/>
+      <dgm:spPr/>
+      <dgm:t>
+        <a:bodyPr/>
+        <a:lstStyle/>
+        <a:p>
+          <a:endParaRPr lang="en-US"/>
+        </a:p>
+      </dgm:t>
+    </dgm:pt>
+    <dgm:pt modelId="{AC84C785-16FA-46FB-9405-55607E15FD78}">
+      <dgm:prSet/>
+      <dgm:spPr/>
+      <dgm:t>
+        <a:bodyPr/>
+        <a:lstStyle/>
+        <a:p>
+          <a:r>
+            <a:rPr lang="en-US"/>
+            <a:t>Recommend that the VGG16 model is used to assist primary-care physicians and dermatologists (front line in melanoma detection) in diagnosis of malignant skin cancers. </a:t>
+          </a:r>
+        </a:p>
+      </dgm:t>
+    </dgm:pt>
+    <dgm:pt modelId="{30ED4154-8B05-4A77-9587-DDB04F82A4C8}" type="parTrans" cxnId="{17835936-E3F6-4FE7-A9D3-695025005E5D}">
+      <dgm:prSet/>
+      <dgm:spPr/>
+      <dgm:t>
+        <a:bodyPr/>
+        <a:lstStyle/>
+        <a:p>
+          <a:endParaRPr lang="en-US"/>
+        </a:p>
+      </dgm:t>
+    </dgm:pt>
+    <dgm:pt modelId="{D21767D2-D5A6-4B0D-A21C-E9E98740D13F}" type="sibTrans" cxnId="{17835936-E3F6-4FE7-A9D3-695025005E5D}">
+      <dgm:prSet/>
+      <dgm:spPr/>
+      <dgm:t>
+        <a:bodyPr/>
+        <a:lstStyle/>
+        <a:p>
+          <a:endParaRPr lang="en-US"/>
+        </a:p>
+      </dgm:t>
+    </dgm:pt>
+    <dgm:pt modelId="{6B5287EB-5EB4-41E5-991D-66FD49F61521}">
+      <dgm:prSet/>
+      <dgm:spPr/>
+      <dgm:t>
+        <a:bodyPr/>
+        <a:lstStyle/>
+        <a:p>
+          <a:r>
+            <a:rPr lang="en-US"/>
+            <a:t>The high recall/sensitivity score decreases the probability of a false negative test.</a:t>
+          </a:r>
+        </a:p>
+      </dgm:t>
+    </dgm:pt>
+    <dgm:pt modelId="{465304CF-9D0B-44E7-B750-67E5B750D4F2}" type="parTrans" cxnId="{2F53A6A1-5DE6-442B-81AA-DEBD0A52930E}">
+      <dgm:prSet/>
+      <dgm:spPr/>
+      <dgm:t>
+        <a:bodyPr/>
+        <a:lstStyle/>
+        <a:p>
+          <a:endParaRPr lang="en-US"/>
+        </a:p>
+      </dgm:t>
+    </dgm:pt>
+    <dgm:pt modelId="{F2B772C5-434B-4F0D-AE83-F41F7034F674}" type="sibTrans" cxnId="{2F53A6A1-5DE6-442B-81AA-DEBD0A52930E}">
+      <dgm:prSet/>
+      <dgm:spPr/>
+      <dgm:t>
+        <a:bodyPr/>
+        <a:lstStyle/>
+        <a:p>
+          <a:endParaRPr lang="en-US"/>
+        </a:p>
+      </dgm:t>
+    </dgm:pt>
+    <dgm:pt modelId="{1E00B3EB-E32E-43D4-8B09-284826F9E622}" type="pres">
+      <dgm:prSet presAssocID="{910F0362-1A57-4FE5-8C5E-2F3DF0345D79}" presName="root" presStyleCnt="0">
+        <dgm:presLayoutVars>
+          <dgm:dir/>
+          <dgm:resizeHandles val="exact"/>
+        </dgm:presLayoutVars>
+      </dgm:prSet>
+      <dgm:spPr/>
+    </dgm:pt>
+    <dgm:pt modelId="{6A118253-5143-4632-9EC5-6E2804D45D99}" type="pres">
+      <dgm:prSet presAssocID="{AC84C785-16FA-46FB-9405-55607E15FD78}" presName="compNode" presStyleCnt="0"/>
+      <dgm:spPr/>
+    </dgm:pt>
+    <dgm:pt modelId="{DEE9C655-3E34-4C7A-A416-8B83BEFE5C96}" type="pres">
+      <dgm:prSet presAssocID="{AC84C785-16FA-46FB-9405-55607E15FD78}" presName="bgRect" presStyleLbl="bgShp" presStyleIdx="0" presStyleCnt="2"/>
+      <dgm:spPr/>
+    </dgm:pt>
+    <dgm:pt modelId="{34522FCB-F1E2-48DE-9A5A-862D2EE40D90}" type="pres">
+      <dgm:prSet presAssocID="{AC84C785-16FA-46FB-9405-55607E15FD78}" presName="iconRect" presStyleLbl="node1" presStyleIdx="0" presStyleCnt="2"/>
+      <dgm:spPr>
+        <a:blipFill>
+          <a:blip xmlns:r="http://schemas.openxmlformats.org/officeDocument/2006/relationships" r:embed="rId1">
+            <a:extLst>
+              <a:ext uri="{28A0092B-C50C-407E-A947-70E740481C1C}">
+                <a14:useLocalDpi xmlns:a14="http://schemas.microsoft.com/office/drawing/2010/main" val="0"/>
+              </a:ext>
+              <a:ext uri="{96DAC541-7B7A-43D3-8B79-37D633B846F1}">
+                <asvg:svgBlip xmlns:asvg="http://schemas.microsoft.com/office/drawing/2016/SVG/main" r:embed="rId2"/>
+              </a:ext>
+            </a:extLst>
+          </a:blip>
+          <a:stretch>
+            <a:fillRect/>
+          </a:stretch>
+        </a:blipFill>
+        <a:ln>
+          <a:noFill/>
+        </a:ln>
+      </dgm:spPr>
+      <dgm:extLst>
+        <a:ext uri="{E40237B7-FDA0-4F09-8148-C483321AD2D9}">
+          <dgm14:cNvPr xmlns:dgm14="http://schemas.microsoft.com/office/drawing/2010/diagram" id="0" name="" descr="Doctor"/>
+        </a:ext>
+      </dgm:extLst>
+    </dgm:pt>
+    <dgm:pt modelId="{F21792BF-1BAC-4709-A44A-F58A4D00C163}" type="pres">
+      <dgm:prSet presAssocID="{AC84C785-16FA-46FB-9405-55607E15FD78}" presName="spaceRect" presStyleCnt="0"/>
+      <dgm:spPr/>
+    </dgm:pt>
+    <dgm:pt modelId="{2B765506-51ED-409D-ACDB-37B1A9E26C1E}" type="pres">
+      <dgm:prSet presAssocID="{AC84C785-16FA-46FB-9405-55607E15FD78}" presName="parTx" presStyleLbl="revTx" presStyleIdx="0" presStyleCnt="2">
+        <dgm:presLayoutVars>
+          <dgm:chMax val="0"/>
+          <dgm:chPref val="0"/>
+        </dgm:presLayoutVars>
+      </dgm:prSet>
+      <dgm:spPr/>
+    </dgm:pt>
+    <dgm:pt modelId="{D2A6AB4E-E8A3-49BA-A968-1014BC6D2B04}" type="pres">
+      <dgm:prSet presAssocID="{D21767D2-D5A6-4B0D-A21C-E9E98740D13F}" presName="sibTrans" presStyleCnt="0"/>
+      <dgm:spPr/>
+    </dgm:pt>
+    <dgm:pt modelId="{326FD541-6961-4581-B33D-D2DEC101C20C}" type="pres">
+      <dgm:prSet presAssocID="{6B5287EB-5EB4-41E5-991D-66FD49F61521}" presName="compNode" presStyleCnt="0"/>
+      <dgm:spPr/>
+    </dgm:pt>
+    <dgm:pt modelId="{0A405480-92CB-4D8D-A4C4-EB411E9535F6}" type="pres">
+      <dgm:prSet presAssocID="{6B5287EB-5EB4-41E5-991D-66FD49F61521}" presName="bgRect" presStyleLbl="bgShp" presStyleIdx="1" presStyleCnt="2"/>
+      <dgm:spPr/>
+    </dgm:pt>
+    <dgm:pt modelId="{42DA7B39-6790-4756-B415-71A20674ABD2}" type="pres">
+      <dgm:prSet presAssocID="{6B5287EB-5EB4-41E5-991D-66FD49F61521}" presName="iconRect" presStyleLbl="node1" presStyleIdx="1" presStyleCnt="2"/>
+      <dgm:spPr>
+        <a:blipFill>
+          <a:blip xmlns:r="http://schemas.openxmlformats.org/officeDocument/2006/relationships" r:embed="rId3">
+            <a:extLst>
+              <a:ext uri="{28A0092B-C50C-407E-A947-70E740481C1C}">
+                <a14:useLocalDpi xmlns:a14="http://schemas.microsoft.com/office/drawing/2010/main" val="0"/>
+              </a:ext>
+              <a:ext uri="{96DAC541-7B7A-43D3-8B79-37D633B846F1}">
+                <asvg:svgBlip xmlns:asvg="http://schemas.microsoft.com/office/drawing/2016/SVG/main" r:embed="rId4"/>
+              </a:ext>
+            </a:extLst>
+          </a:blip>
+          <a:stretch>
+            <a:fillRect/>
+          </a:stretch>
+        </a:blipFill>
+        <a:ln>
+          <a:noFill/>
+        </a:ln>
+      </dgm:spPr>
+      <dgm:extLst>
+        <a:ext uri="{E40237B7-FDA0-4F09-8148-C483321AD2D9}">
+          <dgm14:cNvPr xmlns:dgm14="http://schemas.microsoft.com/office/drawing/2010/diagram" id="0" name="" descr="Dice"/>
+        </a:ext>
+      </dgm:extLst>
+    </dgm:pt>
+    <dgm:pt modelId="{0CC3FD70-8B4F-466A-98CD-32C2CBDB11D6}" type="pres">
+      <dgm:prSet presAssocID="{6B5287EB-5EB4-41E5-991D-66FD49F61521}" presName="spaceRect" presStyleCnt="0"/>
+      <dgm:spPr/>
+    </dgm:pt>
+    <dgm:pt modelId="{DC898602-7441-41D4-A845-483B89525320}" type="pres">
+      <dgm:prSet presAssocID="{6B5287EB-5EB4-41E5-991D-66FD49F61521}" presName="parTx" presStyleLbl="revTx" presStyleIdx="1" presStyleCnt="2">
+        <dgm:presLayoutVars>
+          <dgm:chMax val="0"/>
+          <dgm:chPref val="0"/>
+        </dgm:presLayoutVars>
+      </dgm:prSet>
+      <dgm:spPr/>
+    </dgm:pt>
+  </dgm:ptLst>
+  <dgm:cxnLst>
+    <dgm:cxn modelId="{17835936-E3F6-4FE7-A9D3-695025005E5D}" srcId="{910F0362-1A57-4FE5-8C5E-2F3DF0345D79}" destId="{AC84C785-16FA-46FB-9405-55607E15FD78}" srcOrd="0" destOrd="0" parTransId="{30ED4154-8B05-4A77-9587-DDB04F82A4C8}" sibTransId="{D21767D2-D5A6-4B0D-A21C-E9E98740D13F}"/>
+    <dgm:cxn modelId="{389E8B84-9CE5-462D-BCBB-AB4F67EBB846}" type="presOf" srcId="{6B5287EB-5EB4-41E5-991D-66FD49F61521}" destId="{DC898602-7441-41D4-A845-483B89525320}" srcOrd="0" destOrd="0" presId="urn:microsoft.com/office/officeart/2018/2/layout/IconVerticalSolidList"/>
+    <dgm:cxn modelId="{2F53A6A1-5DE6-442B-81AA-DEBD0A52930E}" srcId="{910F0362-1A57-4FE5-8C5E-2F3DF0345D79}" destId="{6B5287EB-5EB4-41E5-991D-66FD49F61521}" srcOrd="1" destOrd="0" parTransId="{465304CF-9D0B-44E7-B750-67E5B750D4F2}" sibTransId="{F2B772C5-434B-4F0D-AE83-F41F7034F674}"/>
+    <dgm:cxn modelId="{365E5DE7-5FE7-4A84-8570-AA1EA28D56EC}" type="presOf" srcId="{910F0362-1A57-4FE5-8C5E-2F3DF0345D79}" destId="{1E00B3EB-E32E-43D4-8B09-284826F9E622}" srcOrd="0" destOrd="0" presId="urn:microsoft.com/office/officeart/2018/2/layout/IconVerticalSolidList"/>
+    <dgm:cxn modelId="{C1076FF5-20C4-411D-AEA5-7EA535315CF2}" type="presOf" srcId="{AC84C785-16FA-46FB-9405-55607E15FD78}" destId="{2B765506-51ED-409D-ACDB-37B1A9E26C1E}" srcOrd="0" destOrd="0" presId="urn:microsoft.com/office/officeart/2018/2/layout/IconVerticalSolidList"/>
+    <dgm:cxn modelId="{7FD65D4F-906D-41CD-A16B-99343ABDF4EF}" type="presParOf" srcId="{1E00B3EB-E32E-43D4-8B09-284826F9E622}" destId="{6A118253-5143-4632-9EC5-6E2804D45D99}" srcOrd="0" destOrd="0" presId="urn:microsoft.com/office/officeart/2018/2/layout/IconVerticalSolidList"/>
+    <dgm:cxn modelId="{55EAA3B4-1C40-4AD5-8341-627559AC8238}" type="presParOf" srcId="{6A118253-5143-4632-9EC5-6E2804D45D99}" destId="{DEE9C655-3E34-4C7A-A416-8B83BEFE5C96}" srcOrd="0" destOrd="0" presId="urn:microsoft.com/office/officeart/2018/2/layout/IconVerticalSolidList"/>
+    <dgm:cxn modelId="{523A0CCF-C96C-44E0-99DE-C1AE4E199B5F}" type="presParOf" srcId="{6A118253-5143-4632-9EC5-6E2804D45D99}" destId="{34522FCB-F1E2-48DE-9A5A-862D2EE40D90}" srcOrd="1" destOrd="0" presId="urn:microsoft.com/office/officeart/2018/2/layout/IconVerticalSolidList"/>
+    <dgm:cxn modelId="{FF8CB3C9-C41A-4BBC-A2BF-577712424783}" type="presParOf" srcId="{6A118253-5143-4632-9EC5-6E2804D45D99}" destId="{F21792BF-1BAC-4709-A44A-F58A4D00C163}" srcOrd="2" destOrd="0" presId="urn:microsoft.com/office/officeart/2018/2/layout/IconVerticalSolidList"/>
+    <dgm:cxn modelId="{22A62D42-96AA-4486-A293-0370E7456C52}" type="presParOf" srcId="{6A118253-5143-4632-9EC5-6E2804D45D99}" destId="{2B765506-51ED-409D-ACDB-37B1A9E26C1E}" srcOrd="3" destOrd="0" presId="urn:microsoft.com/office/officeart/2018/2/layout/IconVerticalSolidList"/>
+    <dgm:cxn modelId="{63005B21-D150-4114-9F56-18E248C9B1C1}" type="presParOf" srcId="{1E00B3EB-E32E-43D4-8B09-284826F9E622}" destId="{D2A6AB4E-E8A3-49BA-A968-1014BC6D2B04}" srcOrd="1" destOrd="0" presId="urn:microsoft.com/office/officeart/2018/2/layout/IconVerticalSolidList"/>
+    <dgm:cxn modelId="{4023CB41-FFEA-4684-8FF5-14282A84F60A}" type="presParOf" srcId="{1E00B3EB-E32E-43D4-8B09-284826F9E622}" destId="{326FD541-6961-4581-B33D-D2DEC101C20C}" srcOrd="2" destOrd="0" presId="urn:microsoft.com/office/officeart/2018/2/layout/IconVerticalSolidList"/>
+    <dgm:cxn modelId="{F78CC2BB-F56C-40D6-89C6-8E2CC59371D6}" type="presParOf" srcId="{326FD541-6961-4581-B33D-D2DEC101C20C}" destId="{0A405480-92CB-4D8D-A4C4-EB411E9535F6}" srcOrd="0" destOrd="0" presId="urn:microsoft.com/office/officeart/2018/2/layout/IconVerticalSolidList"/>
+    <dgm:cxn modelId="{77D81DCE-B3BD-4742-92FF-E25D8CCB4D85}" type="presParOf" srcId="{326FD541-6961-4581-B33D-D2DEC101C20C}" destId="{42DA7B39-6790-4756-B415-71A20674ABD2}" srcOrd="1" destOrd="0" presId="urn:microsoft.com/office/officeart/2018/2/layout/IconVerticalSolidList"/>
+    <dgm:cxn modelId="{EB197D74-1E01-4690-8596-684FD389CAC1}" type="presParOf" srcId="{326FD541-6961-4581-B33D-D2DEC101C20C}" destId="{0CC3FD70-8B4F-466A-98CD-32C2CBDB11D6}" srcOrd="2" destOrd="0" presId="urn:microsoft.com/office/officeart/2018/2/layout/IconVerticalSolidList"/>
+    <dgm:cxn modelId="{AD0EC78C-5803-4624-B22C-D9C1CD5C280A}" type="presParOf" srcId="{326FD541-6961-4581-B33D-D2DEC101C20C}" destId="{DC898602-7441-41D4-A845-483B89525320}" srcOrd="3" destOrd="0" presId="urn:microsoft.com/office/officeart/2018/2/layout/IconVerticalSolidList"/>
+  </dgm:cxnLst>
+  <dgm:bg/>
+  <dgm:whole/>
+  <dgm:extLst>
+    <a:ext uri="http://schemas.microsoft.com/office/drawing/2008/diagram">
+      <dsp:dataModelExt xmlns:dsp="http://schemas.microsoft.com/office/drawing/2008/diagram" relId="rId7" minVer="http://schemas.openxmlformats.org/drawingml/2006/diagram"/>
+    </a:ext>
+  </dgm:extLst>
+</dgm:dataModel>
+</file>
+
+<file path=ppt/diagrams/data4.xml><?xml version="1.0" encoding="utf-8"?>
 <dgm:dataModel xmlns:dgm="http://schemas.openxmlformats.org/drawingml/2006/diagram" xmlns:a="http://schemas.openxmlformats.org/drawingml/2006/main">
   <dgm:ptLst>
     <dgm:pt modelId="{D78D3A83-1571-450D-B5DD-AA2B4E6A3DEF}" type="doc">
@@ -4168,6 +5316,318 @@
       <dsp:cNvGrpSpPr/>
     </dsp:nvGrpSpPr>
     <dsp:grpSpPr/>
+    <dsp:sp modelId="{DEE9C655-3E34-4C7A-A416-8B83BEFE5C96}">
+      <dsp:nvSpPr>
+        <dsp:cNvPr id="0" name=""/>
+        <dsp:cNvSpPr/>
+      </dsp:nvSpPr>
+      <dsp:spPr>
+        <a:xfrm>
+          <a:off x="0" y="603646"/>
+          <a:ext cx="10353675" cy="1114425"/>
+        </a:xfrm>
+        <a:prstGeom prst="roundRect">
+          <a:avLst>
+            <a:gd name="adj" fmla="val 10000"/>
+          </a:avLst>
+        </a:prstGeom>
+        <a:solidFill>
+          <a:schemeClr val="accent2">
+            <a:hueOff val="0"/>
+            <a:satOff val="0"/>
+            <a:lumOff val="0"/>
+            <a:alphaOff val="0"/>
+          </a:schemeClr>
+        </a:solidFill>
+        <a:ln>
+          <a:noFill/>
+        </a:ln>
+        <a:effectLst/>
+      </dsp:spPr>
+      <dsp:style>
+        <a:lnRef idx="0">
+          <a:scrgbClr r="0" g="0" b="0"/>
+        </a:lnRef>
+        <a:fillRef idx="1">
+          <a:scrgbClr r="0" g="0" b="0"/>
+        </a:fillRef>
+        <a:effectRef idx="0">
+          <a:scrgbClr r="0" g="0" b="0"/>
+        </a:effectRef>
+        <a:fontRef idx="minor"/>
+      </dsp:style>
+    </dsp:sp>
+    <dsp:sp modelId="{34522FCB-F1E2-48DE-9A5A-862D2EE40D90}">
+      <dsp:nvSpPr>
+        <dsp:cNvPr id="0" name=""/>
+        <dsp:cNvSpPr/>
+      </dsp:nvSpPr>
+      <dsp:spPr>
+        <a:xfrm>
+          <a:off x="337113" y="854392"/>
+          <a:ext cx="612933" cy="612933"/>
+        </a:xfrm>
+        <a:prstGeom prst="rect">
+          <a:avLst/>
+        </a:prstGeom>
+        <a:blipFill>
+          <a:blip xmlns:r="http://schemas.openxmlformats.org/officeDocument/2006/relationships" r:embed="rId1">
+            <a:extLst>
+              <a:ext uri="{28A0092B-C50C-407E-A947-70E740481C1C}">
+                <a14:useLocalDpi xmlns:a14="http://schemas.microsoft.com/office/drawing/2010/main" val="0"/>
+              </a:ext>
+              <a:ext uri="{96DAC541-7B7A-43D3-8B79-37D633B846F1}">
+                <asvg:svgBlip xmlns:asvg="http://schemas.microsoft.com/office/drawing/2016/SVG/main" r:embed="rId2"/>
+              </a:ext>
+            </a:extLst>
+          </a:blip>
+          <a:stretch>
+            <a:fillRect/>
+          </a:stretch>
+        </a:blipFill>
+        <a:ln w="15875" cap="rnd" cmpd="sng" algn="ctr">
+          <a:noFill/>
+          <a:prstDash val="solid"/>
+        </a:ln>
+        <a:effectLst/>
+      </dsp:spPr>
+      <dsp:style>
+        <a:lnRef idx="2">
+          <a:scrgbClr r="0" g="0" b="0"/>
+        </a:lnRef>
+        <a:fillRef idx="1">
+          <a:scrgbClr r="0" g="0" b="0"/>
+        </a:fillRef>
+        <a:effectRef idx="0">
+          <a:scrgbClr r="0" g="0" b="0"/>
+        </a:effectRef>
+        <a:fontRef idx="minor">
+          <a:schemeClr val="lt1"/>
+        </a:fontRef>
+      </dsp:style>
+    </dsp:sp>
+    <dsp:sp modelId="{2B765506-51ED-409D-ACDB-37B1A9E26C1E}">
+      <dsp:nvSpPr>
+        <dsp:cNvPr id="0" name=""/>
+        <dsp:cNvSpPr/>
+      </dsp:nvSpPr>
+      <dsp:spPr>
+        <a:xfrm>
+          <a:off x="1287160" y="603646"/>
+          <a:ext cx="9066514" cy="1114425"/>
+        </a:xfrm>
+        <a:prstGeom prst="rect">
+          <a:avLst/>
+        </a:prstGeom>
+        <a:noFill/>
+        <a:ln>
+          <a:noFill/>
+        </a:ln>
+        <a:effectLst/>
+      </dsp:spPr>
+      <dsp:style>
+        <a:lnRef idx="0">
+          <a:scrgbClr r="0" g="0" b="0"/>
+        </a:lnRef>
+        <a:fillRef idx="0">
+          <a:scrgbClr r="0" g="0" b="0"/>
+        </a:fillRef>
+        <a:effectRef idx="0">
+          <a:scrgbClr r="0" g="0" b="0"/>
+        </a:effectRef>
+        <a:fontRef idx="minor"/>
+      </dsp:style>
+      <dsp:txBody>
+        <a:bodyPr spcFirstLastPara="0" vert="horz" wrap="square" lIns="117943" tIns="117943" rIns="117943" bIns="117943" numCol="1" spcCol="1270" anchor="ctr" anchorCtr="0">
+          <a:noAutofit/>
+        </a:bodyPr>
+        <a:lstStyle/>
+        <a:p>
+          <a:pPr marL="0" lvl="0" indent="0" algn="l" defTabSz="933450">
+            <a:lnSpc>
+              <a:spcPct val="90000"/>
+            </a:lnSpc>
+            <a:spcBef>
+              <a:spcPct val="0"/>
+            </a:spcBef>
+            <a:spcAft>
+              <a:spcPct val="35000"/>
+            </a:spcAft>
+            <a:buNone/>
+          </a:pPr>
+          <a:r>
+            <a:rPr lang="en-US" sz="2100" kern="1200"/>
+            <a:t>Recommend that the VGG16 model is used to assist primary-care physicians and dermatologists (front line in melanoma detection) in diagnosis of malignant skin cancers. </a:t>
+          </a:r>
+        </a:p>
+      </dsp:txBody>
+      <dsp:txXfrm>
+        <a:off x="1287160" y="603646"/>
+        <a:ext cx="9066514" cy="1114425"/>
+      </dsp:txXfrm>
+    </dsp:sp>
+    <dsp:sp modelId="{0A405480-92CB-4D8D-A4C4-EB411E9535F6}">
+      <dsp:nvSpPr>
+        <dsp:cNvPr id="0" name=""/>
+        <dsp:cNvSpPr/>
+      </dsp:nvSpPr>
+      <dsp:spPr>
+        <a:xfrm>
+          <a:off x="0" y="1996678"/>
+          <a:ext cx="10353675" cy="1114425"/>
+        </a:xfrm>
+        <a:prstGeom prst="roundRect">
+          <a:avLst>
+            <a:gd name="adj" fmla="val 10000"/>
+          </a:avLst>
+        </a:prstGeom>
+        <a:solidFill>
+          <a:schemeClr val="accent3">
+            <a:hueOff val="0"/>
+            <a:satOff val="0"/>
+            <a:lumOff val="0"/>
+            <a:alphaOff val="0"/>
+          </a:schemeClr>
+        </a:solidFill>
+        <a:ln>
+          <a:noFill/>
+        </a:ln>
+        <a:effectLst/>
+      </dsp:spPr>
+      <dsp:style>
+        <a:lnRef idx="0">
+          <a:scrgbClr r="0" g="0" b="0"/>
+        </a:lnRef>
+        <a:fillRef idx="1">
+          <a:scrgbClr r="0" g="0" b="0"/>
+        </a:fillRef>
+        <a:effectRef idx="0">
+          <a:scrgbClr r="0" g="0" b="0"/>
+        </a:effectRef>
+        <a:fontRef idx="minor"/>
+      </dsp:style>
+    </dsp:sp>
+    <dsp:sp modelId="{42DA7B39-6790-4756-B415-71A20674ABD2}">
+      <dsp:nvSpPr>
+        <dsp:cNvPr id="0" name=""/>
+        <dsp:cNvSpPr/>
+      </dsp:nvSpPr>
+      <dsp:spPr>
+        <a:xfrm>
+          <a:off x="337113" y="2247423"/>
+          <a:ext cx="612933" cy="612933"/>
+        </a:xfrm>
+        <a:prstGeom prst="rect">
+          <a:avLst/>
+        </a:prstGeom>
+        <a:blipFill>
+          <a:blip xmlns:r="http://schemas.openxmlformats.org/officeDocument/2006/relationships" r:embed="rId3">
+            <a:extLst>
+              <a:ext uri="{28A0092B-C50C-407E-A947-70E740481C1C}">
+                <a14:useLocalDpi xmlns:a14="http://schemas.microsoft.com/office/drawing/2010/main" val="0"/>
+              </a:ext>
+              <a:ext uri="{96DAC541-7B7A-43D3-8B79-37D633B846F1}">
+                <asvg:svgBlip xmlns:asvg="http://schemas.microsoft.com/office/drawing/2016/SVG/main" r:embed="rId4"/>
+              </a:ext>
+            </a:extLst>
+          </a:blip>
+          <a:stretch>
+            <a:fillRect/>
+          </a:stretch>
+        </a:blipFill>
+        <a:ln w="15875" cap="rnd" cmpd="sng" algn="ctr">
+          <a:noFill/>
+          <a:prstDash val="solid"/>
+        </a:ln>
+        <a:effectLst/>
+      </dsp:spPr>
+      <dsp:style>
+        <a:lnRef idx="2">
+          <a:scrgbClr r="0" g="0" b="0"/>
+        </a:lnRef>
+        <a:fillRef idx="1">
+          <a:scrgbClr r="0" g="0" b="0"/>
+        </a:fillRef>
+        <a:effectRef idx="0">
+          <a:scrgbClr r="0" g="0" b="0"/>
+        </a:effectRef>
+        <a:fontRef idx="minor">
+          <a:schemeClr val="lt1"/>
+        </a:fontRef>
+      </dsp:style>
+    </dsp:sp>
+    <dsp:sp modelId="{DC898602-7441-41D4-A845-483B89525320}">
+      <dsp:nvSpPr>
+        <dsp:cNvPr id="0" name=""/>
+        <dsp:cNvSpPr/>
+      </dsp:nvSpPr>
+      <dsp:spPr>
+        <a:xfrm>
+          <a:off x="1287160" y="1996678"/>
+          <a:ext cx="9066514" cy="1114425"/>
+        </a:xfrm>
+        <a:prstGeom prst="rect">
+          <a:avLst/>
+        </a:prstGeom>
+        <a:noFill/>
+        <a:ln>
+          <a:noFill/>
+        </a:ln>
+        <a:effectLst/>
+      </dsp:spPr>
+      <dsp:style>
+        <a:lnRef idx="0">
+          <a:scrgbClr r="0" g="0" b="0"/>
+        </a:lnRef>
+        <a:fillRef idx="0">
+          <a:scrgbClr r="0" g="0" b="0"/>
+        </a:fillRef>
+        <a:effectRef idx="0">
+          <a:scrgbClr r="0" g="0" b="0"/>
+        </a:effectRef>
+        <a:fontRef idx="minor"/>
+      </dsp:style>
+      <dsp:txBody>
+        <a:bodyPr spcFirstLastPara="0" vert="horz" wrap="square" lIns="117943" tIns="117943" rIns="117943" bIns="117943" numCol="1" spcCol="1270" anchor="ctr" anchorCtr="0">
+          <a:noAutofit/>
+        </a:bodyPr>
+        <a:lstStyle/>
+        <a:p>
+          <a:pPr marL="0" lvl="0" indent="0" algn="l" defTabSz="933450">
+            <a:lnSpc>
+              <a:spcPct val="90000"/>
+            </a:lnSpc>
+            <a:spcBef>
+              <a:spcPct val="0"/>
+            </a:spcBef>
+            <a:spcAft>
+              <a:spcPct val="35000"/>
+            </a:spcAft>
+            <a:buNone/>
+          </a:pPr>
+          <a:r>
+            <a:rPr lang="en-US" sz="2100" kern="1200"/>
+            <a:t>The high recall/sensitivity score decreases the probability of a false negative test.</a:t>
+          </a:r>
+        </a:p>
+      </dsp:txBody>
+      <dsp:txXfrm>
+        <a:off x="1287160" y="1996678"/>
+        <a:ext cx="9066514" cy="1114425"/>
+      </dsp:txXfrm>
+    </dsp:sp>
+  </dsp:spTree>
+</dsp:drawing>
+</file>
+
+<file path=ppt/diagrams/drawing4.xml><?xml version="1.0" encoding="utf-8"?>
+<dsp:drawing xmlns:dgm="http://schemas.openxmlformats.org/drawingml/2006/diagram" xmlns:dsp="http://schemas.microsoft.com/office/drawing/2008/diagram" xmlns:a="http://schemas.openxmlformats.org/drawingml/2006/main">
+  <dsp:spTree>
+    <dsp:nvGrpSpPr>
+      <dsp:cNvPr id="0" name=""/>
+      <dsp:cNvGrpSpPr/>
+    </dsp:nvGrpSpPr>
+    <dsp:grpSpPr/>
     <dsp:sp modelId="{44151CCD-9369-4DD4-BAAE-8F0E6EFCC65F}">
       <dsp:nvSpPr>
         <dsp:cNvPr id="0" name=""/>
@@ -4976,6 +6436,300 @@
 </file>
 
 <file path=ppt/diagrams/layout3.xml><?xml version="1.0" encoding="utf-8"?>
+<dgm:layoutDef xmlns:dgm="http://schemas.openxmlformats.org/drawingml/2006/diagram" xmlns:a="http://schemas.openxmlformats.org/drawingml/2006/main" uniqueId="urn:microsoft.com/office/officeart/2018/2/layout/IconVerticalSolidList">
+  <dgm:title val="Icon Vertical Solid List"/>
+  <dgm:desc val="Use to show a series of visuals from top to bottom with Level 1 or Level 1 and Level 2 text grouped in a shape. Works best with icons or small pictures with lengthier descriptions."/>
+  <dgm:catLst>
+    <dgm:cat type="icon" pri="500"/>
+  </dgm:catLst>
+  <dgm:sampData useDef="1">
+    <dgm:dataModel>
+      <dgm:ptLst/>
+      <dgm:bg/>
+      <dgm:whole/>
+    </dgm:dataModel>
+  </dgm:sampData>
+  <dgm:styleData useDef="1">
+    <dgm:dataModel>
+      <dgm:ptLst/>
+      <dgm:bg/>
+      <dgm:whole/>
+    </dgm:dataModel>
+  </dgm:styleData>
+  <dgm:clrData useDef="1">
+    <dgm:dataModel>
+      <dgm:ptLst/>
+      <dgm:bg/>
+      <dgm:whole/>
+    </dgm:dataModel>
+  </dgm:clrData>
+  <dgm:layoutNode name="root">
+    <dgm:varLst>
+      <dgm:dir/>
+      <dgm:resizeHandles val="exact"/>
+    </dgm:varLst>
+    <dgm:choose name="Name0">
+      <dgm:if name="Name1" axis="self" func="var" arg="dir" op="equ" val="norm">
+        <dgm:alg type="lin">
+          <dgm:param type="linDir" val="fromT"/>
+          <dgm:param type="nodeHorzAlign" val="l"/>
+        </dgm:alg>
+      </dgm:if>
+      <dgm:else name="Name2">
+        <dgm:alg type="lin">
+          <dgm:param type="linDir" val="fromT"/>
+          <dgm:param type="nodeHorzAlign" val="r"/>
+        </dgm:alg>
+      </dgm:else>
+    </dgm:choose>
+    <dgm:shape xmlns:r="http://schemas.openxmlformats.org/officeDocument/2006/relationships" r:blip="">
+      <dgm:adjLst/>
+    </dgm:shape>
+    <dgm:presOf/>
+    <dgm:choose name="Name3">
+      <dgm:if name="Name4" axis="ch" ptType="node" func="cnt" op="lte" val="3">
+        <dgm:constrLst>
+          <dgm:constr type="h" for="ch" forName="compNode" refType="h" fact="0.3"/>
+          <dgm:constr type="w" for="ch" forName="compNode" refType="w"/>
+          <dgm:constr type="h" for="ch" forName="sibTrans" refType="h" refFor="ch" refForName="compNode" fact="0.25"/>
+          <dgm:constr type="primFontSz" for="des" forName="parTx" val="25"/>
+          <dgm:constr type="primFontSz" for="des" forName="desTx" refType="primFontSz" refFor="des" refForName="parTx" op="lte" fact="0.75"/>
+          <dgm:constr type="h" for="des" forName="compNode" op="equ"/>
+          <dgm:constr type="h" for="des" forName="bgRect" op="equ"/>
+          <dgm:constr type="h" for="des" forName="iconRect" op="equ"/>
+          <dgm:constr type="w" for="des" forName="iconRect" op="equ"/>
+          <dgm:constr type="h" for="des" forName="spaceRect" op="equ"/>
+          <dgm:constr type="h" for="des" forName="parTx" op="equ"/>
+          <dgm:constr type="h" for="des" forName="desTx" op="equ"/>
+        </dgm:constrLst>
+      </dgm:if>
+      <dgm:if name="Name5" axis="ch" ptType="node" func="cnt" op="lte" val="4">
+        <dgm:constrLst>
+          <dgm:constr type="h" for="ch" forName="compNode" refType="h" fact="0.3"/>
+          <dgm:constr type="w" for="ch" forName="compNode" refType="w"/>
+          <dgm:constr type="h" for="ch" forName="sibTrans" refType="h" refFor="ch" refForName="compNode" fact="0.25"/>
+          <dgm:constr type="primFontSz" for="des" forName="parTx" val="22"/>
+          <dgm:constr type="primFontSz" for="des" forName="desTx" refType="primFontSz" refFor="des" refForName="parTx" op="lte" fact="0.75"/>
+          <dgm:constr type="h" for="des" forName="compNode" op="equ"/>
+          <dgm:constr type="h" for="des" forName="bgRect" op="equ"/>
+          <dgm:constr type="h" for="des" forName="iconRect" op="equ"/>
+          <dgm:constr type="w" for="des" forName="iconRect" op="equ"/>
+          <dgm:constr type="h" for="des" forName="spaceRect" op="equ"/>
+          <dgm:constr type="h" for="des" forName="parTx" op="equ"/>
+          <dgm:constr type="h" for="des" forName="desTx" op="equ"/>
+        </dgm:constrLst>
+      </dgm:if>
+      <dgm:if name="Name6" axis="ch" ptType="node" func="cnt" op="lte" val="6">
+        <dgm:constrLst>
+          <dgm:constr type="h" for="ch" forName="compNode" refType="h" fact="0.3"/>
+          <dgm:constr type="w" for="ch" forName="compNode" refType="w"/>
+          <dgm:constr type="h" for="ch" forName="sibTrans" refType="h" refFor="ch" refForName="compNode" fact="0.25"/>
+          <dgm:constr type="primFontSz" for="des" forName="parTx" val="19"/>
+          <dgm:constr type="primFontSz" for="des" forName="desTx" refType="primFontSz" refFor="des" refForName="parTx" op="lte" fact="0.75"/>
+          <dgm:constr type="h" for="des" forName="compNode" op="equ"/>
+          <dgm:constr type="h" for="des" forName="bgRect" op="equ"/>
+          <dgm:constr type="h" for="des" forName="iconRect" op="equ"/>
+          <dgm:constr type="w" for="des" forName="iconRect" op="equ"/>
+          <dgm:constr type="h" for="des" forName="spaceRect" op="equ"/>
+          <dgm:constr type="h" for="des" forName="parTx" op="equ"/>
+          <dgm:constr type="h" for="des" forName="desTx" op="equ"/>
+        </dgm:constrLst>
+      </dgm:if>
+      <dgm:else name="Name7">
+        <dgm:constrLst>
+          <dgm:constr type="h" for="ch" forName="compNode" refType="h" fact="0.3"/>
+          <dgm:constr type="w" for="ch" forName="compNode" refType="w"/>
+          <dgm:constr type="h" for="ch" forName="sibTrans" refType="h" refFor="ch" refForName="compNode" fact="0.25"/>
+          <dgm:constr type="primFontSz" for="des" forName="parTx" val="16"/>
+          <dgm:constr type="primFontSz" for="des" forName="desTx" refType="primFontSz" refFor="des" refForName="parTx" op="lte" fact="0.75"/>
+          <dgm:constr type="h" for="des" forName="compNode" op="equ"/>
+          <dgm:constr type="h" for="des" forName="bgRect" op="equ"/>
+          <dgm:constr type="h" for="des" forName="iconRect" op="equ"/>
+          <dgm:constr type="w" for="des" forName="iconRect" op="equ"/>
+          <dgm:constr type="h" for="des" forName="spaceRect" op="equ"/>
+          <dgm:constr type="h" for="des" forName="parTx" op="equ"/>
+          <dgm:constr type="h" for="des" forName="desTx" op="equ"/>
+        </dgm:constrLst>
+      </dgm:else>
+    </dgm:choose>
+    <dgm:ruleLst>
+      <dgm:rule type="h" for="ch" forName="compNode" val="0" fact="NaN" max="NaN"/>
+    </dgm:ruleLst>
+    <dgm:forEach name="Name8" axis="ch" ptType="node">
+      <dgm:layoutNode name="compNode">
+        <dgm:alg type="composite"/>
+        <dgm:shape xmlns:r="http://schemas.openxmlformats.org/officeDocument/2006/relationships" r:blip="">
+          <dgm:adjLst/>
+        </dgm:shape>
+        <dgm:presOf axis="self"/>
+        <dgm:choose name="Name9">
+          <dgm:if name="Name10" axis="ch" ptType="node" func="cnt" op="gte" val="1">
+            <dgm:constrLst>
+              <dgm:constr type="w" for="ch" forName="bgRect" refType="w"/>
+              <dgm:constr type="h" for="ch" forName="bgRect" refType="h"/>
+              <dgm:constr type="l" for="ch" forName="bgRect"/>
+              <dgm:constr type="t" for="ch" forName="bgRect"/>
+              <dgm:constr type="h" for="ch" forName="iconRect" refType="h" fact="0.55"/>
+              <dgm:constr type="w" for="ch" forName="iconRect" refType="h" refFor="ch" refForName="iconRect"/>
+              <dgm:constr type="l" for="ch" forName="iconRect" refType="h" refFor="ch" refForName="iconRect" fact="0.55"/>
+              <dgm:constr type="ctrY" for="ch" forName="iconRect" refType="ctrY" refFor="ch" refForName="bgRect"/>
+              <dgm:constr type="w" for="ch" forName="spaceRect" refType="l" refFor="ch" refForName="iconRect"/>
+              <dgm:constr type="h" for="ch" forName="spaceRect" refType="h"/>
+              <dgm:constr type="l" for="ch" forName="spaceRect" refType="r" refFor="ch" refForName="iconRect"/>
+              <dgm:constr type="t" for="ch" forName="spaceRect"/>
+              <dgm:constr type="w" for="ch" forName="parTx" refType="w" fact="0.45"/>
+              <dgm:constr type="h" for="ch" forName="parTx" refType="h"/>
+              <dgm:constr type="l" for="ch" forName="parTx" refType="r" refFor="ch" refForName="spaceRect"/>
+              <dgm:constr type="t" for="ch" forName="parTx"/>
+              <dgm:constr type="h" for="ch" forName="desTx" refType="h"/>
+              <dgm:constr type="l" for="ch" forName="desTx" refType="r" refFor="ch" refForName="parTx"/>
+              <dgm:constr type="t" for="ch" forName="desTx"/>
+            </dgm:constrLst>
+          </dgm:if>
+          <dgm:else name="Name11">
+            <dgm:constrLst>
+              <dgm:constr type="w" for="ch" forName="bgRect" refType="w"/>
+              <dgm:constr type="h" for="ch" forName="bgRect" refType="h"/>
+              <dgm:constr type="l" for="ch" forName="bgRect"/>
+              <dgm:constr type="t" for="ch" forName="bgRect"/>
+              <dgm:constr type="h" for="ch" forName="iconRect" refType="h" fact="0.55"/>
+              <dgm:constr type="w" for="ch" forName="iconRect" refType="h" refFor="ch" refForName="iconRect"/>
+              <dgm:constr type="l" for="ch" forName="iconRect" refType="h" refFor="ch" refForName="iconRect" fact="0.55"/>
+              <dgm:constr type="ctrY" for="ch" forName="iconRect" refType="ctrY" refFor="ch" refForName="bgRect"/>
+              <dgm:constr type="w" for="ch" forName="spaceRect" refType="l" refFor="ch" refForName="iconRect"/>
+              <dgm:constr type="h" for="ch" forName="spaceRect" refType="h"/>
+              <dgm:constr type="l" for="ch" forName="spaceRect" refType="r" refFor="ch" refForName="iconRect"/>
+              <dgm:constr type="t" for="ch" forName="spaceRect"/>
+              <dgm:constr type="h" for="ch" forName="parTx" refType="h"/>
+              <dgm:constr type="l" for="ch" forName="parTx" refType="r" refFor="ch" refForName="spaceRect"/>
+              <dgm:constr type="t" for="ch" forName="parTx"/>
+            </dgm:constrLst>
+          </dgm:else>
+        </dgm:choose>
+        <dgm:ruleLst>
+          <dgm:rule type="h" val="INF" fact="NaN" max="NaN"/>
+        </dgm:ruleLst>
+        <dgm:layoutNode name="bgRect" styleLbl="bgShp">
+          <dgm:alg type="sp"/>
+          <dgm:shape xmlns:r="http://schemas.openxmlformats.org/officeDocument/2006/relationships" type="roundRect" r:blip="">
+            <dgm:adjLst>
+              <dgm:adj idx="1" val="0.1"/>
+            </dgm:adjLst>
+          </dgm:shape>
+          <dgm:presOf/>
+          <dgm:constrLst/>
+          <dgm:ruleLst/>
+        </dgm:layoutNode>
+        <dgm:layoutNode name="iconRect" styleLbl="node1">
+          <dgm:alg type="sp"/>
+          <dgm:shape xmlns:r="http://schemas.openxmlformats.org/officeDocument/2006/relationships" type="rect" r:blip="" blipPhldr="1">
+            <dgm:adjLst/>
+          </dgm:shape>
+          <dgm:presOf/>
+          <dgm:constrLst/>
+          <dgm:ruleLst/>
+        </dgm:layoutNode>
+        <dgm:layoutNode name="spaceRect">
+          <dgm:alg type="sp"/>
+          <dgm:shape xmlns:r="http://schemas.openxmlformats.org/officeDocument/2006/relationships" r:blip="">
+            <dgm:adjLst/>
+          </dgm:shape>
+          <dgm:presOf/>
+          <dgm:constrLst/>
+          <dgm:ruleLst/>
+        </dgm:layoutNode>
+        <dgm:layoutNode name="parTx" styleLbl="revTx">
+          <dgm:varLst>
+            <dgm:chMax val="0"/>
+            <dgm:chPref val="0"/>
+          </dgm:varLst>
+          <dgm:alg type="tx">
+            <dgm:param type="txAnchorVert" val="mid"/>
+            <dgm:param type="parTxLTRAlign" val="l"/>
+            <dgm:param type="shpTxLTRAlignCh" val="l"/>
+            <dgm:param type="parTxRTLAlign" val="r"/>
+            <dgm:param type="shpTxRTLAlignCh" val="r"/>
+          </dgm:alg>
+          <dgm:shape xmlns:r="http://schemas.openxmlformats.org/officeDocument/2006/relationships" type="rect" r:blip="">
+            <dgm:adjLst/>
+          </dgm:shape>
+          <dgm:presOf axis="self" ptType="node"/>
+          <dgm:constrLst>
+            <dgm:constr type="lMarg" refType="h" fact="0.3"/>
+            <dgm:constr type="rMarg" refType="h" fact="0.3"/>
+            <dgm:constr type="tMarg" refType="h" fact="0.3"/>
+            <dgm:constr type="bMarg" refType="h" fact="0.3"/>
+          </dgm:constrLst>
+          <dgm:ruleLst>
+            <dgm:rule type="primFontSz" val="14" fact="NaN" max="NaN"/>
+            <dgm:rule type="h" val="INF" fact="NaN" max="NaN"/>
+          </dgm:ruleLst>
+        </dgm:layoutNode>
+        <dgm:choose name="Name12">
+          <dgm:if name="Name13" axis="ch" ptType="node" func="cnt" op="gte" val="1">
+            <dgm:layoutNode name="desTx" styleLbl="revTx">
+              <dgm:varLst/>
+              <dgm:alg type="tx">
+                <dgm:param type="txAnchorVertCh" val="mid"/>
+                <dgm:param type="parTxLTRAlign" val="l"/>
+                <dgm:param type="shpTxLTRAlignCh" val="l"/>
+                <dgm:param type="parTxRTLAlign" val="r"/>
+                <dgm:param type="shpTxRTLAlignCh" val="r"/>
+                <dgm:param type="stBulletLvl" val="0"/>
+              </dgm:alg>
+              <dgm:shape xmlns:r="http://schemas.openxmlformats.org/officeDocument/2006/relationships" type="rect" r:blip="">
+                <dgm:adjLst/>
+              </dgm:shape>
+              <dgm:presOf axis="des" ptType="node"/>
+              <dgm:constrLst>
+                <dgm:constr type="primFontSz" val="18"/>
+                <dgm:constr type="secFontSz" refType="primFontSz"/>
+                <dgm:constr type="lMarg" refType="h" fact="0.3"/>
+                <dgm:constr type="rMarg" refType="h" fact="0.3"/>
+                <dgm:constr type="tMarg" refType="h" fact="0.3"/>
+                <dgm:constr type="bMarg" refType="h" fact="0.3"/>
+              </dgm:constrLst>
+              <dgm:ruleLst>
+                <dgm:rule type="primFontSz" val="11" fact="NaN" max="NaN"/>
+              </dgm:ruleLst>
+            </dgm:layoutNode>
+          </dgm:if>
+          <dgm:else name="Name14"/>
+        </dgm:choose>
+      </dgm:layoutNode>
+      <dgm:forEach name="Name15" axis="followSib" ptType="sibTrans" cnt="1">
+        <dgm:layoutNode name="sibTrans">
+          <dgm:alg type="sp"/>
+          <dgm:shape xmlns:r="http://schemas.openxmlformats.org/officeDocument/2006/relationships" r:blip="">
+            <dgm:adjLst/>
+          </dgm:shape>
+          <dgm:presOf axis="self"/>
+          <dgm:constrLst/>
+          <dgm:ruleLst/>
+        </dgm:layoutNode>
+      </dgm:forEach>
+    </dgm:forEach>
+  </dgm:layoutNode>
+  <dgm:extLst>
+    <a:ext uri="{68A01E43-0DF5-4B5B-8FA6-DAF915123BFB}">
+      <dgm1612:lstStyle xmlns:dgm1612="http://schemas.microsoft.com/office/drawing/2016/12/diagram">
+        <a:lvl1pPr>
+          <a:lnSpc>
+            <a:spcPct val="100000"/>
+          </a:lnSpc>
+        </a:lvl1pPr>
+        <a:lvl2pPr>
+          <a:lnSpc>
+            <a:spcPct val="100000"/>
+          </a:lnSpc>
+        </a:lvl2pPr>
+      </dgm1612:lstStyle>
+    </a:ext>
+  </dgm:extLst>
+</dgm:layoutDef>
+</file>
+
+<file path=ppt/diagrams/layout4.xml><?xml version="1.0" encoding="utf-8"?>
 <dgm:layoutDef xmlns:dgm="http://schemas.openxmlformats.org/drawingml/2006/diagram" xmlns:a="http://schemas.openxmlformats.org/drawingml/2006/main" uniqueId="urn:microsoft.com/office/officeart/2005/8/layout/process4">
   <dgm:title val=""/>
   <dgm:desc val=""/>
@@ -7397,6 +9151,1040 @@
 </file>
 
 <file path=ppt/diagrams/quickStyle3.xml><?xml version="1.0" encoding="utf-8"?>
+<dgm:styleDef xmlns:dgm="http://schemas.openxmlformats.org/drawingml/2006/diagram" xmlns:a="http://schemas.openxmlformats.org/drawingml/2006/main" uniqueId="urn:microsoft.com/office/officeart/2005/8/quickstyle/simple1">
+  <dgm:title val=""/>
+  <dgm:desc val=""/>
+  <dgm:catLst>
+    <dgm:cat type="simple" pri="10100"/>
+  </dgm:catLst>
+  <dgm:scene3d>
+    <a:camera prst="orthographicFront"/>
+    <a:lightRig rig="threePt" dir="t"/>
+  </dgm:scene3d>
+  <dgm:styleLbl name="node0">
+    <dgm:scene3d>
+      <a:camera prst="orthographicFront"/>
+      <a:lightRig rig="threePt" dir="t"/>
+    </dgm:scene3d>
+    <dgm:sp3d/>
+    <dgm:txPr/>
+    <dgm:style>
+      <a:lnRef idx="2">
+        <a:scrgbClr r="0" g="0" b="0"/>
+      </a:lnRef>
+      <a:fillRef idx="1">
+        <a:scrgbClr r="0" g="0" b="0"/>
+      </a:fillRef>
+      <a:effectRef idx="0">
+        <a:scrgbClr r="0" g="0" b="0"/>
+      </a:effectRef>
+      <a:fontRef idx="minor">
+        <a:schemeClr val="lt1"/>
+      </a:fontRef>
+    </dgm:style>
+  </dgm:styleLbl>
+  <dgm:styleLbl name="lnNode1">
+    <dgm:scene3d>
+      <a:camera prst="orthographicFront"/>
+      <a:lightRig rig="threePt" dir="t"/>
+    </dgm:scene3d>
+    <dgm:sp3d/>
+    <dgm:txPr/>
+    <dgm:style>
+      <a:lnRef idx="2">
+        <a:scrgbClr r="0" g="0" b="0"/>
+      </a:lnRef>
+      <a:fillRef idx="1">
+        <a:scrgbClr r="0" g="0" b="0"/>
+      </a:fillRef>
+      <a:effectRef idx="0">
+        <a:scrgbClr r="0" g="0" b="0"/>
+      </a:effectRef>
+      <a:fontRef idx="minor">
+        <a:schemeClr val="lt1"/>
+      </a:fontRef>
+    </dgm:style>
+  </dgm:styleLbl>
+  <dgm:styleLbl name="vennNode1">
+    <dgm:scene3d>
+      <a:camera prst="orthographicFront"/>
+      <a:lightRig rig="threePt" dir="t"/>
+    </dgm:scene3d>
+    <dgm:sp3d/>
+    <dgm:txPr/>
+    <dgm:style>
+      <a:lnRef idx="2">
+        <a:scrgbClr r="0" g="0" b="0"/>
+      </a:lnRef>
+      <a:fillRef idx="1">
+        <a:scrgbClr r="0" g="0" b="0"/>
+      </a:fillRef>
+      <a:effectRef idx="0">
+        <a:scrgbClr r="0" g="0" b="0"/>
+      </a:effectRef>
+      <a:fontRef idx="minor">
+        <a:schemeClr val="tx1"/>
+      </a:fontRef>
+    </dgm:style>
+  </dgm:styleLbl>
+  <dgm:styleLbl name="alignNode1">
+    <dgm:scene3d>
+      <a:camera prst="orthographicFront"/>
+      <a:lightRig rig="threePt" dir="t"/>
+    </dgm:scene3d>
+    <dgm:sp3d/>
+    <dgm:txPr/>
+    <dgm:style>
+      <a:lnRef idx="2">
+        <a:scrgbClr r="0" g="0" b="0"/>
+      </a:lnRef>
+      <a:fillRef idx="1">
+        <a:scrgbClr r="0" g="0" b="0"/>
+      </a:fillRef>
+      <a:effectRef idx="0">
+        <a:scrgbClr r="0" g="0" b="0"/>
+      </a:effectRef>
+      <a:fontRef idx="minor">
+        <a:schemeClr val="lt1"/>
+      </a:fontRef>
+    </dgm:style>
+  </dgm:styleLbl>
+  <dgm:styleLbl name="node1">
+    <dgm:scene3d>
+      <a:camera prst="orthographicFront"/>
+      <a:lightRig rig="threePt" dir="t"/>
+    </dgm:scene3d>
+    <dgm:sp3d/>
+    <dgm:txPr/>
+    <dgm:style>
+      <a:lnRef idx="2">
+        <a:scrgbClr r="0" g="0" b="0"/>
+      </a:lnRef>
+      <a:fillRef idx="1">
+        <a:scrgbClr r="0" g="0" b="0"/>
+      </a:fillRef>
+      <a:effectRef idx="0">
+        <a:scrgbClr r="0" g="0" b="0"/>
+      </a:effectRef>
+      <a:fontRef idx="minor">
+        <a:schemeClr val="lt1"/>
+      </a:fontRef>
+    </dgm:style>
+  </dgm:styleLbl>
+  <dgm:styleLbl name="node2">
+    <dgm:scene3d>
+      <a:camera prst="orthographicFront"/>
+      <a:lightRig rig="threePt" dir="t"/>
+    </dgm:scene3d>
+    <dgm:sp3d/>
+    <dgm:txPr/>
+    <dgm:style>
+      <a:lnRef idx="2">
+        <a:scrgbClr r="0" g="0" b="0"/>
+      </a:lnRef>
+      <a:fillRef idx="1">
+        <a:scrgbClr r="0" g="0" b="0"/>
+      </a:fillRef>
+      <a:effectRef idx="0">
+        <a:scrgbClr r="0" g="0" b="0"/>
+      </a:effectRef>
+      <a:fontRef idx="minor">
+        <a:schemeClr val="lt1"/>
+      </a:fontRef>
+    </dgm:style>
+  </dgm:styleLbl>
+  <dgm:styleLbl name="node3">
+    <dgm:scene3d>
+      <a:camera prst="orthographicFront"/>
+      <a:lightRig rig="threePt" dir="t"/>
+    </dgm:scene3d>
+    <dgm:sp3d/>
+    <dgm:txPr/>
+    <dgm:style>
+      <a:lnRef idx="2">
+        <a:scrgbClr r="0" g="0" b="0"/>
+      </a:lnRef>
+      <a:fillRef idx="1">
+        <a:scrgbClr r="0" g="0" b="0"/>
+      </a:fillRef>
+      <a:effectRef idx="0">
+        <a:scrgbClr r="0" g="0" b="0"/>
+      </a:effectRef>
+      <a:fontRef idx="minor">
+        <a:schemeClr val="lt1"/>
+      </a:fontRef>
+    </dgm:style>
+  </dgm:styleLbl>
+  <dgm:styleLbl name="node4">
+    <dgm:scene3d>
+      <a:camera prst="orthographicFront"/>
+      <a:lightRig rig="threePt" dir="t"/>
+    </dgm:scene3d>
+    <dgm:sp3d/>
+    <dgm:txPr/>
+    <dgm:style>
+      <a:lnRef idx="2">
+        <a:scrgbClr r="0" g="0" b="0"/>
+      </a:lnRef>
+      <a:fillRef idx="1">
+        <a:scrgbClr r="0" g="0" b="0"/>
+      </a:fillRef>
+      <a:effectRef idx="0">
+        <a:scrgbClr r="0" g="0" b="0"/>
+      </a:effectRef>
+      <a:fontRef idx="minor">
+        <a:schemeClr val="lt1"/>
+      </a:fontRef>
+    </dgm:style>
+  </dgm:styleLbl>
+  <dgm:styleLbl name="fgImgPlace1">
+    <dgm:scene3d>
+      <a:camera prst="orthographicFront"/>
+      <a:lightRig rig="threePt" dir="t"/>
+    </dgm:scene3d>
+    <dgm:sp3d/>
+    <dgm:txPr/>
+    <dgm:style>
+      <a:lnRef idx="2">
+        <a:scrgbClr r="0" g="0" b="0"/>
+      </a:lnRef>
+      <a:fillRef idx="1">
+        <a:scrgbClr r="0" g="0" b="0"/>
+      </a:fillRef>
+      <a:effectRef idx="0">
+        <a:scrgbClr r="0" g="0" b="0"/>
+      </a:effectRef>
+      <a:fontRef idx="minor"/>
+    </dgm:style>
+  </dgm:styleLbl>
+  <dgm:styleLbl name="alignImgPlace1">
+    <dgm:scene3d>
+      <a:camera prst="orthographicFront"/>
+      <a:lightRig rig="threePt" dir="t"/>
+    </dgm:scene3d>
+    <dgm:sp3d/>
+    <dgm:txPr/>
+    <dgm:style>
+      <a:lnRef idx="2">
+        <a:scrgbClr r="0" g="0" b="0"/>
+      </a:lnRef>
+      <a:fillRef idx="1">
+        <a:scrgbClr r="0" g="0" b="0"/>
+      </a:fillRef>
+      <a:effectRef idx="0">
+        <a:scrgbClr r="0" g="0" b="0"/>
+      </a:effectRef>
+      <a:fontRef idx="minor"/>
+    </dgm:style>
+  </dgm:styleLbl>
+  <dgm:styleLbl name="bgImgPlace1">
+    <dgm:scene3d>
+      <a:camera prst="orthographicFront"/>
+      <a:lightRig rig="threePt" dir="t"/>
+    </dgm:scene3d>
+    <dgm:sp3d/>
+    <dgm:txPr/>
+    <dgm:style>
+      <a:lnRef idx="2">
+        <a:scrgbClr r="0" g="0" b="0"/>
+      </a:lnRef>
+      <a:fillRef idx="1">
+        <a:scrgbClr r="0" g="0" b="0"/>
+      </a:fillRef>
+      <a:effectRef idx="0">
+        <a:scrgbClr r="0" g="0" b="0"/>
+      </a:effectRef>
+      <a:fontRef idx="minor"/>
+    </dgm:style>
+  </dgm:styleLbl>
+  <dgm:styleLbl name="sibTrans2D1">
+    <dgm:scene3d>
+      <a:camera prst="orthographicFront"/>
+      <a:lightRig rig="threePt" dir="t"/>
+    </dgm:scene3d>
+    <dgm:sp3d/>
+    <dgm:txPr/>
+    <dgm:style>
+      <a:lnRef idx="0">
+        <a:scrgbClr r="0" g="0" b="0"/>
+      </a:lnRef>
+      <a:fillRef idx="1">
+        <a:scrgbClr r="0" g="0" b="0"/>
+      </a:fillRef>
+      <a:effectRef idx="0">
+        <a:scrgbClr r="0" g="0" b="0"/>
+      </a:effectRef>
+      <a:fontRef idx="minor">
+        <a:schemeClr val="lt1"/>
+      </a:fontRef>
+    </dgm:style>
+  </dgm:styleLbl>
+  <dgm:styleLbl name="fgSibTrans2D1">
+    <dgm:scene3d>
+      <a:camera prst="orthographicFront"/>
+      <a:lightRig rig="threePt" dir="t"/>
+    </dgm:scene3d>
+    <dgm:sp3d/>
+    <dgm:txPr/>
+    <dgm:style>
+      <a:lnRef idx="0">
+        <a:scrgbClr r="0" g="0" b="0"/>
+      </a:lnRef>
+      <a:fillRef idx="1">
+        <a:scrgbClr r="0" g="0" b="0"/>
+      </a:fillRef>
+      <a:effectRef idx="0">
+        <a:scrgbClr r="0" g="0" b="0"/>
+      </a:effectRef>
+      <a:fontRef idx="minor">
+        <a:schemeClr val="lt1"/>
+      </a:fontRef>
+    </dgm:style>
+  </dgm:styleLbl>
+  <dgm:styleLbl name="bgSibTrans2D1">
+    <dgm:scene3d>
+      <a:camera prst="orthographicFront"/>
+      <a:lightRig rig="threePt" dir="t"/>
+    </dgm:scene3d>
+    <dgm:sp3d/>
+    <dgm:txPr/>
+    <dgm:style>
+      <a:lnRef idx="0">
+        <a:scrgbClr r="0" g="0" b="0"/>
+      </a:lnRef>
+      <a:fillRef idx="1">
+        <a:scrgbClr r="0" g="0" b="0"/>
+      </a:fillRef>
+      <a:effectRef idx="0">
+        <a:scrgbClr r="0" g="0" b="0"/>
+      </a:effectRef>
+      <a:fontRef idx="minor">
+        <a:schemeClr val="lt1"/>
+      </a:fontRef>
+    </dgm:style>
+  </dgm:styleLbl>
+  <dgm:styleLbl name="sibTrans1D1">
+    <dgm:scene3d>
+      <a:camera prst="orthographicFront"/>
+      <a:lightRig rig="threePt" dir="t"/>
+    </dgm:scene3d>
+    <dgm:sp3d/>
+    <dgm:txPr/>
+    <dgm:style>
+      <a:lnRef idx="1">
+        <a:scrgbClr r="0" g="0" b="0"/>
+      </a:lnRef>
+      <a:fillRef idx="0">
+        <a:scrgbClr r="0" g="0" b="0"/>
+      </a:fillRef>
+      <a:effectRef idx="0">
+        <a:scrgbClr r="0" g="0" b="0"/>
+      </a:effectRef>
+      <a:fontRef idx="minor"/>
+    </dgm:style>
+  </dgm:styleLbl>
+  <dgm:styleLbl name="callout">
+    <dgm:scene3d>
+      <a:camera prst="orthographicFront"/>
+      <a:lightRig rig="threePt" dir="t"/>
+    </dgm:scene3d>
+    <dgm:sp3d/>
+    <dgm:txPr/>
+    <dgm:style>
+      <a:lnRef idx="2">
+        <a:scrgbClr r="0" g="0" b="0"/>
+      </a:lnRef>
+      <a:fillRef idx="1">
+        <a:scrgbClr r="0" g="0" b="0"/>
+      </a:fillRef>
+      <a:effectRef idx="0">
+        <a:scrgbClr r="0" g="0" b="0"/>
+      </a:effectRef>
+      <a:fontRef idx="minor"/>
+    </dgm:style>
+  </dgm:styleLbl>
+  <dgm:styleLbl name="asst0">
+    <dgm:scene3d>
+      <a:camera prst="orthographicFront"/>
+      <a:lightRig rig="threePt" dir="t"/>
+    </dgm:scene3d>
+    <dgm:sp3d/>
+    <dgm:txPr/>
+    <dgm:style>
+      <a:lnRef idx="2">
+        <a:scrgbClr r="0" g="0" b="0"/>
+      </a:lnRef>
+      <a:fillRef idx="1">
+        <a:scrgbClr r="0" g="0" b="0"/>
+      </a:fillRef>
+      <a:effectRef idx="0">
+        <a:scrgbClr r="0" g="0" b="0"/>
+      </a:effectRef>
+      <a:fontRef idx="minor">
+        <a:schemeClr val="lt1"/>
+      </a:fontRef>
+    </dgm:style>
+  </dgm:styleLbl>
+  <dgm:styleLbl name="asst1">
+    <dgm:scene3d>
+      <a:camera prst="orthographicFront"/>
+      <a:lightRig rig="threePt" dir="t"/>
+    </dgm:scene3d>
+    <dgm:sp3d/>
+    <dgm:txPr/>
+    <dgm:style>
+      <a:lnRef idx="2">
+        <a:scrgbClr r="0" g="0" b="0"/>
+      </a:lnRef>
+      <a:fillRef idx="1">
+        <a:scrgbClr r="0" g="0" b="0"/>
+      </a:fillRef>
+      <a:effectRef idx="0">
+        <a:scrgbClr r="0" g="0" b="0"/>
+      </a:effectRef>
+      <a:fontRef idx="minor">
+        <a:schemeClr val="lt1"/>
+      </a:fontRef>
+    </dgm:style>
+  </dgm:styleLbl>
+  <dgm:styleLbl name="asst2">
+    <dgm:scene3d>
+      <a:camera prst="orthographicFront"/>
+      <a:lightRig rig="threePt" dir="t"/>
+    </dgm:scene3d>
+    <dgm:sp3d/>
+    <dgm:txPr/>
+    <dgm:style>
+      <a:lnRef idx="2">
+        <a:scrgbClr r="0" g="0" b="0"/>
+      </a:lnRef>
+      <a:fillRef idx="1">
+        <a:scrgbClr r="0" g="0" b="0"/>
+      </a:fillRef>
+      <a:effectRef idx="0">
+        <a:scrgbClr r="0" g="0" b="0"/>
+      </a:effectRef>
+      <a:fontRef idx="minor">
+        <a:schemeClr val="lt1"/>
+      </a:fontRef>
+    </dgm:style>
+  </dgm:styleLbl>
+  <dgm:styleLbl name="asst3">
+    <dgm:scene3d>
+      <a:camera prst="orthographicFront"/>
+      <a:lightRig rig="threePt" dir="t"/>
+    </dgm:scene3d>
+    <dgm:sp3d/>
+    <dgm:txPr/>
+    <dgm:style>
+      <a:lnRef idx="2">
+        <a:scrgbClr r="0" g="0" b="0"/>
+      </a:lnRef>
+      <a:fillRef idx="1">
+        <a:scrgbClr r="0" g="0" b="0"/>
+      </a:fillRef>
+      <a:effectRef idx="0">
+        <a:scrgbClr r="0" g="0" b="0"/>
+      </a:effectRef>
+      <a:fontRef idx="minor">
+        <a:schemeClr val="lt1"/>
+      </a:fontRef>
+    </dgm:style>
+  </dgm:styleLbl>
+  <dgm:styleLbl name="asst4">
+    <dgm:scene3d>
+      <a:camera prst="orthographicFront"/>
+      <a:lightRig rig="threePt" dir="t"/>
+    </dgm:scene3d>
+    <dgm:sp3d/>
+    <dgm:txPr/>
+    <dgm:style>
+      <a:lnRef idx="2">
+        <a:scrgbClr r="0" g="0" b="0"/>
+      </a:lnRef>
+      <a:fillRef idx="1">
+        <a:scrgbClr r="0" g="0" b="0"/>
+      </a:fillRef>
+      <a:effectRef idx="0">
+        <a:scrgbClr r="0" g="0" b="0"/>
+      </a:effectRef>
+      <a:fontRef idx="minor">
+        <a:schemeClr val="lt1"/>
+      </a:fontRef>
+    </dgm:style>
+  </dgm:styleLbl>
+  <dgm:styleLbl name="parChTrans2D1">
+    <dgm:scene3d>
+      <a:camera prst="orthographicFront"/>
+      <a:lightRig rig="threePt" dir="t"/>
+    </dgm:scene3d>
+    <dgm:sp3d/>
+    <dgm:txPr/>
+    <dgm:style>
+      <a:lnRef idx="2">
+        <a:scrgbClr r="0" g="0" b="0"/>
+      </a:lnRef>
+      <a:fillRef idx="1">
+        <a:scrgbClr r="0" g="0" b="0"/>
+      </a:fillRef>
+      <a:effectRef idx="0">
+        <a:scrgbClr r="0" g="0" b="0"/>
+      </a:effectRef>
+      <a:fontRef idx="minor">
+        <a:schemeClr val="lt1"/>
+      </a:fontRef>
+    </dgm:style>
+  </dgm:styleLbl>
+  <dgm:styleLbl name="parChTrans2D2">
+    <dgm:scene3d>
+      <a:camera prst="orthographicFront"/>
+      <a:lightRig rig="threePt" dir="t"/>
+    </dgm:scene3d>
+    <dgm:sp3d/>
+    <dgm:txPr/>
+    <dgm:style>
+      <a:lnRef idx="2">
+        <a:scrgbClr r="0" g="0" b="0"/>
+      </a:lnRef>
+      <a:fillRef idx="1">
+        <a:scrgbClr r="0" g="0" b="0"/>
+      </a:fillRef>
+      <a:effectRef idx="0">
+        <a:scrgbClr r="0" g="0" b="0"/>
+      </a:effectRef>
+      <a:fontRef idx="minor">
+        <a:schemeClr val="lt1"/>
+      </a:fontRef>
+    </dgm:style>
+  </dgm:styleLbl>
+  <dgm:styleLbl name="parChTrans2D3">
+    <dgm:scene3d>
+      <a:camera prst="orthographicFront"/>
+      <a:lightRig rig="threePt" dir="t"/>
+    </dgm:scene3d>
+    <dgm:sp3d/>
+    <dgm:txPr/>
+    <dgm:style>
+      <a:lnRef idx="2">
+        <a:scrgbClr r="0" g="0" b="0"/>
+      </a:lnRef>
+      <a:fillRef idx="1">
+        <a:scrgbClr r="0" g="0" b="0"/>
+      </a:fillRef>
+      <a:effectRef idx="0">
+        <a:scrgbClr r="0" g="0" b="0"/>
+      </a:effectRef>
+      <a:fontRef idx="minor">
+        <a:schemeClr val="lt1"/>
+      </a:fontRef>
+    </dgm:style>
+  </dgm:styleLbl>
+  <dgm:styleLbl name="parChTrans2D4">
+    <dgm:scene3d>
+      <a:camera prst="orthographicFront"/>
+      <a:lightRig rig="threePt" dir="t"/>
+    </dgm:scene3d>
+    <dgm:sp3d/>
+    <dgm:txPr/>
+    <dgm:style>
+      <a:lnRef idx="2">
+        <a:scrgbClr r="0" g="0" b="0"/>
+      </a:lnRef>
+      <a:fillRef idx="1">
+        <a:scrgbClr r="0" g="0" b="0"/>
+      </a:fillRef>
+      <a:effectRef idx="0">
+        <a:scrgbClr r="0" g="0" b="0"/>
+      </a:effectRef>
+      <a:fontRef idx="minor">
+        <a:schemeClr val="lt1"/>
+      </a:fontRef>
+    </dgm:style>
+  </dgm:styleLbl>
+  <dgm:styleLbl name="parChTrans1D1">
+    <dgm:scene3d>
+      <a:camera prst="orthographicFront"/>
+      <a:lightRig rig="threePt" dir="t"/>
+    </dgm:scene3d>
+    <dgm:sp3d/>
+    <dgm:txPr/>
+    <dgm:style>
+      <a:lnRef idx="2">
+        <a:scrgbClr r="0" g="0" b="0"/>
+      </a:lnRef>
+      <a:fillRef idx="0">
+        <a:scrgbClr r="0" g="0" b="0"/>
+      </a:fillRef>
+      <a:effectRef idx="0">
+        <a:scrgbClr r="0" g="0" b="0"/>
+      </a:effectRef>
+      <a:fontRef idx="minor"/>
+    </dgm:style>
+  </dgm:styleLbl>
+  <dgm:styleLbl name="parChTrans1D2">
+    <dgm:scene3d>
+      <a:camera prst="orthographicFront"/>
+      <a:lightRig rig="threePt" dir="t"/>
+    </dgm:scene3d>
+    <dgm:sp3d/>
+    <dgm:txPr/>
+    <dgm:style>
+      <a:lnRef idx="2">
+        <a:scrgbClr r="0" g="0" b="0"/>
+      </a:lnRef>
+      <a:fillRef idx="0">
+        <a:scrgbClr r="0" g="0" b="0"/>
+      </a:fillRef>
+      <a:effectRef idx="0">
+        <a:scrgbClr r="0" g="0" b="0"/>
+      </a:effectRef>
+      <a:fontRef idx="minor"/>
+    </dgm:style>
+  </dgm:styleLbl>
+  <dgm:styleLbl name="parChTrans1D3">
+    <dgm:scene3d>
+      <a:camera prst="orthographicFront"/>
+      <a:lightRig rig="threePt" dir="t"/>
+    </dgm:scene3d>
+    <dgm:sp3d/>
+    <dgm:txPr/>
+    <dgm:style>
+      <a:lnRef idx="2">
+        <a:scrgbClr r="0" g="0" b="0"/>
+      </a:lnRef>
+      <a:fillRef idx="0">
+        <a:scrgbClr r="0" g="0" b="0"/>
+      </a:fillRef>
+      <a:effectRef idx="0">
+        <a:scrgbClr r="0" g="0" b="0"/>
+      </a:effectRef>
+      <a:fontRef idx="minor"/>
+    </dgm:style>
+  </dgm:styleLbl>
+  <dgm:styleLbl name="parChTrans1D4">
+    <dgm:scene3d>
+      <a:camera prst="orthographicFront"/>
+      <a:lightRig rig="threePt" dir="t"/>
+    </dgm:scene3d>
+    <dgm:sp3d/>
+    <dgm:txPr/>
+    <dgm:style>
+      <a:lnRef idx="2">
+        <a:scrgbClr r="0" g="0" b="0"/>
+      </a:lnRef>
+      <a:fillRef idx="0">
+        <a:scrgbClr r="0" g="0" b="0"/>
+      </a:fillRef>
+      <a:effectRef idx="0">
+        <a:scrgbClr r="0" g="0" b="0"/>
+      </a:effectRef>
+      <a:fontRef idx="minor"/>
+    </dgm:style>
+  </dgm:styleLbl>
+  <dgm:styleLbl name="fgAcc1">
+    <dgm:scene3d>
+      <a:camera prst="orthographicFront"/>
+      <a:lightRig rig="threePt" dir="t"/>
+    </dgm:scene3d>
+    <dgm:sp3d/>
+    <dgm:txPr/>
+    <dgm:style>
+      <a:lnRef idx="2">
+        <a:scrgbClr r="0" g="0" b="0"/>
+      </a:lnRef>
+      <a:fillRef idx="1">
+        <a:scrgbClr r="0" g="0" b="0"/>
+      </a:fillRef>
+      <a:effectRef idx="0">
+        <a:scrgbClr r="0" g="0" b="0"/>
+      </a:effectRef>
+      <a:fontRef idx="minor"/>
+    </dgm:style>
+  </dgm:styleLbl>
+  <dgm:styleLbl name="conFgAcc1">
+    <dgm:scene3d>
+      <a:camera prst="orthographicFront"/>
+      <a:lightRig rig="threePt" dir="t"/>
+    </dgm:scene3d>
+    <dgm:sp3d/>
+    <dgm:txPr/>
+    <dgm:style>
+      <a:lnRef idx="2">
+        <a:scrgbClr r="0" g="0" b="0"/>
+      </a:lnRef>
+      <a:fillRef idx="1">
+        <a:scrgbClr r="0" g="0" b="0"/>
+      </a:fillRef>
+      <a:effectRef idx="0">
+        <a:scrgbClr r="0" g="0" b="0"/>
+      </a:effectRef>
+      <a:fontRef idx="minor"/>
+    </dgm:style>
+  </dgm:styleLbl>
+  <dgm:styleLbl name="alignAcc1">
+    <dgm:scene3d>
+      <a:camera prst="orthographicFront"/>
+      <a:lightRig rig="threePt" dir="t"/>
+    </dgm:scene3d>
+    <dgm:sp3d/>
+    <dgm:txPr/>
+    <dgm:style>
+      <a:lnRef idx="2">
+        <a:scrgbClr r="0" g="0" b="0"/>
+      </a:lnRef>
+      <a:fillRef idx="1">
+        <a:scrgbClr r="0" g="0" b="0"/>
+      </a:fillRef>
+      <a:effectRef idx="0">
+        <a:scrgbClr r="0" g="0" b="0"/>
+      </a:effectRef>
+      <a:fontRef idx="minor"/>
+    </dgm:style>
+  </dgm:styleLbl>
+  <dgm:styleLbl name="trAlignAcc1">
+    <dgm:scene3d>
+      <a:camera prst="orthographicFront"/>
+      <a:lightRig rig="threePt" dir="t"/>
+    </dgm:scene3d>
+    <dgm:sp3d/>
+    <dgm:txPr/>
+    <dgm:style>
+      <a:lnRef idx="1">
+        <a:scrgbClr r="0" g="0" b="0"/>
+      </a:lnRef>
+      <a:fillRef idx="1">
+        <a:scrgbClr r="0" g="0" b="0"/>
+      </a:fillRef>
+      <a:effectRef idx="0">
+        <a:scrgbClr r="0" g="0" b="0"/>
+      </a:effectRef>
+      <a:fontRef idx="minor"/>
+    </dgm:style>
+  </dgm:styleLbl>
+  <dgm:styleLbl name="bgAcc1">
+    <dgm:scene3d>
+      <a:camera prst="orthographicFront"/>
+      <a:lightRig rig="threePt" dir="t"/>
+    </dgm:scene3d>
+    <dgm:sp3d/>
+    <dgm:txPr/>
+    <dgm:style>
+      <a:lnRef idx="2">
+        <a:scrgbClr r="0" g="0" b="0"/>
+      </a:lnRef>
+      <a:fillRef idx="1">
+        <a:scrgbClr r="0" g="0" b="0"/>
+      </a:fillRef>
+      <a:effectRef idx="0">
+        <a:scrgbClr r="0" g="0" b="0"/>
+      </a:effectRef>
+      <a:fontRef idx="minor"/>
+    </dgm:style>
+  </dgm:styleLbl>
+  <dgm:styleLbl name="solidFgAcc1">
+    <dgm:scene3d>
+      <a:camera prst="orthographicFront"/>
+      <a:lightRig rig="threePt" dir="t"/>
+    </dgm:scene3d>
+    <dgm:sp3d/>
+    <dgm:txPr/>
+    <dgm:style>
+      <a:lnRef idx="2">
+        <a:scrgbClr r="0" g="0" b="0"/>
+      </a:lnRef>
+      <a:fillRef idx="1">
+        <a:scrgbClr r="0" g="0" b="0"/>
+      </a:fillRef>
+      <a:effectRef idx="0">
+        <a:scrgbClr r="0" g="0" b="0"/>
+      </a:effectRef>
+      <a:fontRef idx="minor"/>
+    </dgm:style>
+  </dgm:styleLbl>
+  <dgm:styleLbl name="solidAlignAcc1">
+    <dgm:scene3d>
+      <a:camera prst="orthographicFront"/>
+      <a:lightRig rig="threePt" dir="t"/>
+    </dgm:scene3d>
+    <dgm:sp3d/>
+    <dgm:txPr/>
+    <dgm:style>
+      <a:lnRef idx="2">
+        <a:scrgbClr r="0" g="0" b="0"/>
+      </a:lnRef>
+      <a:fillRef idx="1">
+        <a:scrgbClr r="0" g="0" b="0"/>
+      </a:fillRef>
+      <a:effectRef idx="0">
+        <a:scrgbClr r="0" g="0" b="0"/>
+      </a:effectRef>
+      <a:fontRef idx="minor"/>
+    </dgm:style>
+  </dgm:styleLbl>
+  <dgm:styleLbl name="solidBgAcc1">
+    <dgm:scene3d>
+      <a:camera prst="orthographicFront"/>
+      <a:lightRig rig="threePt" dir="t"/>
+    </dgm:scene3d>
+    <dgm:sp3d/>
+    <dgm:txPr/>
+    <dgm:style>
+      <a:lnRef idx="2">
+        <a:scrgbClr r="0" g="0" b="0"/>
+      </a:lnRef>
+      <a:fillRef idx="1">
+        <a:scrgbClr r="0" g="0" b="0"/>
+      </a:fillRef>
+      <a:effectRef idx="0">
+        <a:scrgbClr r="0" g="0" b="0"/>
+      </a:effectRef>
+      <a:fontRef idx="minor"/>
+    </dgm:style>
+  </dgm:styleLbl>
+  <dgm:styleLbl name="fgAccFollowNode1">
+    <dgm:scene3d>
+      <a:camera prst="orthographicFront"/>
+      <a:lightRig rig="threePt" dir="t"/>
+    </dgm:scene3d>
+    <dgm:sp3d/>
+    <dgm:txPr/>
+    <dgm:style>
+      <a:lnRef idx="2">
+        <a:scrgbClr r="0" g="0" b="0"/>
+      </a:lnRef>
+      <a:fillRef idx="1">
+        <a:scrgbClr r="0" g="0" b="0"/>
+      </a:fillRef>
+      <a:effectRef idx="0">
+        <a:scrgbClr r="0" g="0" b="0"/>
+      </a:effectRef>
+      <a:fontRef idx="minor"/>
+    </dgm:style>
+  </dgm:styleLbl>
+  <dgm:styleLbl name="alignAccFollowNode1">
+    <dgm:scene3d>
+      <a:camera prst="orthographicFront"/>
+      <a:lightRig rig="threePt" dir="t"/>
+    </dgm:scene3d>
+    <dgm:sp3d/>
+    <dgm:txPr/>
+    <dgm:style>
+      <a:lnRef idx="2">
+        <a:scrgbClr r="0" g="0" b="0"/>
+      </a:lnRef>
+      <a:fillRef idx="1">
+        <a:scrgbClr r="0" g="0" b="0"/>
+      </a:fillRef>
+      <a:effectRef idx="0">
+        <a:scrgbClr r="0" g="0" b="0"/>
+      </a:effectRef>
+      <a:fontRef idx="minor"/>
+    </dgm:style>
+  </dgm:styleLbl>
+  <dgm:styleLbl name="bgAccFollowNode1">
+    <dgm:scene3d>
+      <a:camera prst="orthographicFront"/>
+      <a:lightRig rig="threePt" dir="t"/>
+    </dgm:scene3d>
+    <dgm:sp3d/>
+    <dgm:txPr/>
+    <dgm:style>
+      <a:lnRef idx="2">
+        <a:scrgbClr r="0" g="0" b="0"/>
+      </a:lnRef>
+      <a:fillRef idx="1">
+        <a:scrgbClr r="0" g="0" b="0"/>
+      </a:fillRef>
+      <a:effectRef idx="0">
+        <a:scrgbClr r="0" g="0" b="0"/>
+      </a:effectRef>
+      <a:fontRef idx="minor"/>
+    </dgm:style>
+  </dgm:styleLbl>
+  <dgm:styleLbl name="fgAcc0">
+    <dgm:scene3d>
+      <a:camera prst="orthographicFront"/>
+      <a:lightRig rig="threePt" dir="t"/>
+    </dgm:scene3d>
+    <dgm:sp3d/>
+    <dgm:txPr/>
+    <dgm:style>
+      <a:lnRef idx="2">
+        <a:scrgbClr r="0" g="0" b="0"/>
+      </a:lnRef>
+      <a:fillRef idx="1">
+        <a:scrgbClr r="0" g="0" b="0"/>
+      </a:fillRef>
+      <a:effectRef idx="0">
+        <a:scrgbClr r="0" g="0" b="0"/>
+      </a:effectRef>
+      <a:fontRef idx="minor"/>
+    </dgm:style>
+  </dgm:styleLbl>
+  <dgm:styleLbl name="fgAcc2">
+    <dgm:scene3d>
+      <a:camera prst="orthographicFront"/>
+      <a:lightRig rig="threePt" dir="t"/>
+    </dgm:scene3d>
+    <dgm:sp3d/>
+    <dgm:txPr/>
+    <dgm:style>
+      <a:lnRef idx="2">
+        <a:scrgbClr r="0" g="0" b="0"/>
+      </a:lnRef>
+      <a:fillRef idx="1">
+        <a:scrgbClr r="0" g="0" b="0"/>
+      </a:fillRef>
+      <a:effectRef idx="0">
+        <a:scrgbClr r="0" g="0" b="0"/>
+      </a:effectRef>
+      <a:fontRef idx="minor"/>
+    </dgm:style>
+  </dgm:styleLbl>
+  <dgm:styleLbl name="fgAcc3">
+    <dgm:scene3d>
+      <a:camera prst="orthographicFront"/>
+      <a:lightRig rig="threePt" dir="t"/>
+    </dgm:scene3d>
+    <dgm:sp3d/>
+    <dgm:txPr/>
+    <dgm:style>
+      <a:lnRef idx="2">
+        <a:scrgbClr r="0" g="0" b="0"/>
+      </a:lnRef>
+      <a:fillRef idx="1">
+        <a:scrgbClr r="0" g="0" b="0"/>
+      </a:fillRef>
+      <a:effectRef idx="0">
+        <a:scrgbClr r="0" g="0" b="0"/>
+      </a:effectRef>
+      <a:fontRef idx="minor"/>
+    </dgm:style>
+  </dgm:styleLbl>
+  <dgm:styleLbl name="fgAcc4">
+    <dgm:scene3d>
+      <a:camera prst="orthographicFront"/>
+      <a:lightRig rig="threePt" dir="t"/>
+    </dgm:scene3d>
+    <dgm:sp3d/>
+    <dgm:txPr/>
+    <dgm:style>
+      <a:lnRef idx="2">
+        <a:scrgbClr r="0" g="0" b="0"/>
+      </a:lnRef>
+      <a:fillRef idx="1">
+        <a:scrgbClr r="0" g="0" b="0"/>
+      </a:fillRef>
+      <a:effectRef idx="0">
+        <a:scrgbClr r="0" g="0" b="0"/>
+      </a:effectRef>
+      <a:fontRef idx="minor"/>
+    </dgm:style>
+  </dgm:styleLbl>
+  <dgm:styleLbl name="bgShp">
+    <dgm:scene3d>
+      <a:camera prst="orthographicFront"/>
+      <a:lightRig rig="threePt" dir="t"/>
+    </dgm:scene3d>
+    <dgm:sp3d/>
+    <dgm:txPr/>
+    <dgm:style>
+      <a:lnRef idx="0">
+        <a:scrgbClr r="0" g="0" b="0"/>
+      </a:lnRef>
+      <a:fillRef idx="1">
+        <a:scrgbClr r="0" g="0" b="0"/>
+      </a:fillRef>
+      <a:effectRef idx="0">
+        <a:scrgbClr r="0" g="0" b="0"/>
+      </a:effectRef>
+      <a:fontRef idx="minor"/>
+    </dgm:style>
+  </dgm:styleLbl>
+  <dgm:styleLbl name="dkBgShp">
+    <dgm:scene3d>
+      <a:camera prst="orthographicFront"/>
+      <a:lightRig rig="threePt" dir="t"/>
+    </dgm:scene3d>
+    <dgm:sp3d/>
+    <dgm:txPr/>
+    <dgm:style>
+      <a:lnRef idx="0">
+        <a:scrgbClr r="0" g="0" b="0"/>
+      </a:lnRef>
+      <a:fillRef idx="1">
+        <a:scrgbClr r="0" g="0" b="0"/>
+      </a:fillRef>
+      <a:effectRef idx="0">
+        <a:scrgbClr r="0" g="0" b="0"/>
+      </a:effectRef>
+      <a:fontRef idx="minor"/>
+    </dgm:style>
+  </dgm:styleLbl>
+  <dgm:styleLbl name="trBgShp">
+    <dgm:scene3d>
+      <a:camera prst="orthographicFront"/>
+      <a:lightRig rig="threePt" dir="t"/>
+    </dgm:scene3d>
+    <dgm:sp3d/>
+    <dgm:txPr/>
+    <dgm:style>
+      <a:lnRef idx="0">
+        <a:scrgbClr r="0" g="0" b="0"/>
+      </a:lnRef>
+      <a:fillRef idx="1">
+        <a:scrgbClr r="0" g="0" b="0"/>
+      </a:fillRef>
+      <a:effectRef idx="0">
+        <a:scrgbClr r="0" g="0" b="0"/>
+      </a:effectRef>
+      <a:fontRef idx="minor"/>
+    </dgm:style>
+  </dgm:styleLbl>
+  <dgm:styleLbl name="fgShp">
+    <dgm:scene3d>
+      <a:camera prst="orthographicFront"/>
+      <a:lightRig rig="threePt" dir="t"/>
+    </dgm:scene3d>
+    <dgm:sp3d/>
+    <dgm:txPr/>
+    <dgm:style>
+      <a:lnRef idx="2">
+        <a:scrgbClr r="0" g="0" b="0"/>
+      </a:lnRef>
+      <a:fillRef idx="1">
+        <a:scrgbClr r="0" g="0" b="0"/>
+      </a:fillRef>
+      <a:effectRef idx="0">
+        <a:scrgbClr r="0" g="0" b="0"/>
+      </a:effectRef>
+      <a:fontRef idx="minor"/>
+    </dgm:style>
+  </dgm:styleLbl>
+  <dgm:styleLbl name="revTx">
+    <dgm:scene3d>
+      <a:camera prst="orthographicFront"/>
+      <a:lightRig rig="threePt" dir="t"/>
+    </dgm:scene3d>
+    <dgm:sp3d/>
+    <dgm:txPr/>
+    <dgm:style>
+      <a:lnRef idx="0">
+        <a:scrgbClr r="0" g="0" b="0"/>
+      </a:lnRef>
+      <a:fillRef idx="0">
+        <a:scrgbClr r="0" g="0" b="0"/>
+      </a:fillRef>
+      <a:effectRef idx="0">
+        <a:scrgbClr r="0" g="0" b="0"/>
+      </a:effectRef>
+      <a:fontRef idx="minor"/>
+    </dgm:style>
+  </dgm:styleLbl>
+</dgm:styleDef>
+</file>
+
+<file path=ppt/diagrams/quickStyle4.xml><?xml version="1.0" encoding="utf-8"?>
 <dgm:styleDef xmlns:dgm="http://schemas.openxmlformats.org/drawingml/2006/diagram" xmlns:a="http://schemas.openxmlformats.org/drawingml/2006/main" uniqueId="urn:microsoft.com/office/officeart/2005/8/quickstyle/simple4">
   <dgm:title val=""/>
   <dgm:desc val=""/>
@@ -14792,7 +17580,7 @@
           </a:effectLst>
           <a:extLst>
             <a:ext uri="{91240B29-F687-4f45-9708-019B960494DF}">
-              <a14:hiddenLine xmlns:a16="http://schemas.microsoft.com/office/drawing/2014/main" xmlns:p14="http://schemas.microsoft.com/office/powerpoint/2010/main" xmlns:a14="http://schemas.microsoft.com/office/drawing/2010/main" xmlns="" w="9525">
+              <a14:hiddenLine xmlns="" xmlns:a14="http://schemas.microsoft.com/office/drawing/2010/main" xmlns:p14="http://schemas.microsoft.com/office/powerpoint/2010/main" xmlns:a16="http://schemas.microsoft.com/office/drawing/2014/main" w="9525">
                 <a:solidFill>
                   <a:srgbClr val="000000"/>
                 </a:solidFill>
@@ -14916,6 +17704,333 @@
 </file>
 
 <file path=ppt/slides/slide10.xml><?xml version="1.0" encoding="utf-8"?>
+<p:sld xmlns:a="http://schemas.openxmlformats.org/drawingml/2006/main" xmlns:r="http://schemas.openxmlformats.org/officeDocument/2006/relationships" xmlns:p="http://schemas.openxmlformats.org/presentationml/2006/main">
+  <p:cSld>
+    <p:bg>
+      <p:bgPr>
+        <a:blipFill rotWithShape="1">
+          <a:blip r:embed="rId2">
+            <a:duotone>
+              <a:schemeClr val="bg1">
+                <a:shade val="80000"/>
+                <a:lumMod val="80000"/>
+              </a:schemeClr>
+              <a:schemeClr val="bg1">
+                <a:tint val="98000"/>
+              </a:schemeClr>
+            </a:duotone>
+          </a:blip>
+          <a:stretch/>
+        </a:blipFill>
+        <a:effectLst/>
+      </p:bgPr>
+    </p:bg>
+    <p:spTree>
+      <p:nvGrpSpPr>
+        <p:cNvPr id="1" name=""/>
+        <p:cNvGrpSpPr/>
+        <p:nvPr/>
+      </p:nvGrpSpPr>
+      <p:grpSpPr>
+        <a:xfrm>
+          <a:off x="0" y="0"/>
+          <a:ext cx="0" cy="0"/>
+          <a:chOff x="0" y="0"/>
+          <a:chExt cx="0" cy="0"/>
+        </a:xfrm>
+      </p:grpSpPr>
+      <p:sp>
+        <p:nvSpPr>
+          <p:cNvPr id="17" name="Rectangle 16">
+            <a:extLst>
+              <a:ext uri="{FF2B5EF4-FFF2-40B4-BE49-F238E27FC236}">
+                <a16:creationId xmlns:a16="http://schemas.microsoft.com/office/drawing/2014/main" id="{8DEB9D55-38C8-45B4-BB2D-4FDBBDB08C37}"/>
+              </a:ext>
+              <a:ext uri="{C183D7F6-B498-43B3-948B-1728B52AA6E4}">
+                <adec:decorative xmlns:adec="http://schemas.microsoft.com/office/drawing/2017/decorative" val="1"/>
+              </a:ext>
+            </a:extLst>
+          </p:cNvPr>
+          <p:cNvSpPr>
+            <a:spLocks noGrp="1" noRot="1" noChangeAspect="1" noMove="1" noResize="1" noEditPoints="1" noAdjustHandles="1" noChangeArrowheads="1" noChangeShapeType="1" noTextEdit="1"/>
+          </p:cNvSpPr>
+          <p:nvPr>
+            <p:extLst>
+              <p:ext uri="{386F3935-93C4-4BCD-93E2-E3B085C9AB24}">
+                <p16:designElem xmlns:p16="http://schemas.microsoft.com/office/powerpoint/2015/main" val="1"/>
+              </p:ext>
+            </p:extLst>
+          </p:nvPr>
+        </p:nvSpPr>
+        <p:spPr>
+          <a:xfrm>
+            <a:off x="0" y="0"/>
+            <a:ext cx="12192000" cy="6858000"/>
+          </a:xfrm>
+          <a:prstGeom prst="rect">
+            <a:avLst/>
+          </a:prstGeom>
+          <a:solidFill>
+            <a:schemeClr val="bg1">
+              <a:lumMod val="85000"/>
+              <a:lumOff val="15000"/>
+            </a:schemeClr>
+          </a:solidFill>
+          <a:ln>
+            <a:noFill/>
+          </a:ln>
+        </p:spPr>
+        <p:style>
+          <a:lnRef idx="2">
+            <a:schemeClr val="accent1">
+              <a:shade val="50000"/>
+            </a:schemeClr>
+          </a:lnRef>
+          <a:fillRef idx="1">
+            <a:schemeClr val="accent1"/>
+          </a:fillRef>
+          <a:effectRef idx="0">
+            <a:schemeClr val="accent1"/>
+          </a:effectRef>
+          <a:fontRef idx="minor">
+            <a:schemeClr val="lt1"/>
+          </a:fontRef>
+        </p:style>
+        <p:txBody>
+          <a:bodyPr rtlCol="0" anchor="ctr"/>
+          <a:lstStyle/>
+          <a:p>
+            <a:pPr algn="ctr"/>
+            <a:endParaRPr lang="en-US" dirty="0"/>
+          </a:p>
+        </p:txBody>
+      </p:sp>
+      <p:sp>
+        <p:nvSpPr>
+          <p:cNvPr id="3" name="Content Placeholder 2">
+            <a:extLst>
+              <a:ext uri="{FF2B5EF4-FFF2-40B4-BE49-F238E27FC236}">
+                <a16:creationId xmlns:a16="http://schemas.microsoft.com/office/drawing/2014/main" id="{DDCA9E6B-5C88-4DBA-9034-83A83900211E}"/>
+              </a:ext>
+            </a:extLst>
+          </p:cNvPr>
+          <p:cNvSpPr>
+            <a:spLocks noGrp="1"/>
+          </p:cNvSpPr>
+          <p:nvPr>
+            <p:ph type="body" idx="1"/>
+          </p:nvPr>
+        </p:nvSpPr>
+        <p:spPr>
+          <a:xfrm>
+            <a:off x="1370013" y="4790049"/>
+            <a:ext cx="9440862" cy="1018534"/>
+          </a:xfrm>
+          <a:effectLst/>
+        </p:spPr>
+        <p:txBody>
+          <a:bodyPr vert="horz" lIns="91440" tIns="45720" rIns="91440" bIns="45720" rtlCol="0" anchor="t">
+            <a:normAutofit/>
+          </a:bodyPr>
+          <a:lstStyle/>
+          <a:p>
+            <a:r>
+              <a:rPr lang="en-US" sz="2400"/>
+              <a:t>Any questions?</a:t>
+            </a:r>
+          </a:p>
+        </p:txBody>
+      </p:sp>
+      <p:sp useBgFill="1">
+        <p:nvSpPr>
+          <p:cNvPr id="19" name="Freeform: Shape 18">
+            <a:extLst>
+              <a:ext uri="{FF2B5EF4-FFF2-40B4-BE49-F238E27FC236}">
+                <a16:creationId xmlns:a16="http://schemas.microsoft.com/office/drawing/2014/main" id="{B40DDA79-7866-468E-A33D-D8341D900EC5}"/>
+              </a:ext>
+              <a:ext uri="{C183D7F6-B498-43B3-948B-1728B52AA6E4}">
+                <adec:decorative xmlns:adec="http://schemas.microsoft.com/office/drawing/2017/decorative" val="1"/>
+              </a:ext>
+            </a:extLst>
+          </p:cNvPr>
+          <p:cNvSpPr>
+            <a:spLocks noGrp="1" noRot="1" noChangeAspect="1" noMove="1" noResize="1" noEditPoints="1" noAdjustHandles="1" noChangeArrowheads="1" noChangeShapeType="1" noTextEdit="1"/>
+          </p:cNvSpPr>
+          <p:nvPr>
+            <p:extLst>
+              <p:ext uri="{386F3935-93C4-4BCD-93E2-E3B085C9AB24}">
+                <p16:designElem xmlns:p16="http://schemas.microsoft.com/office/powerpoint/2015/main" val="1"/>
+              </p:ext>
+            </p:extLst>
+          </p:nvPr>
+        </p:nvSpPr>
+        <p:spPr>
+          <a:xfrm>
+            <a:off x="0" y="0"/>
+            <a:ext cx="12192000" cy="4567080"/>
+          </a:xfrm>
+          <a:custGeom>
+            <a:avLst/>
+            <a:gdLst>
+              <a:gd name="connsiteX0" fmla="*/ 0 w 12192000"/>
+              <a:gd name="connsiteY0" fmla="*/ 0 h 4567080"/>
+              <a:gd name="connsiteX1" fmla="*/ 12192000 w 12192000"/>
+              <a:gd name="connsiteY1" fmla="*/ 0 h 4567080"/>
+              <a:gd name="connsiteX2" fmla="*/ 12192000 w 12192000"/>
+              <a:gd name="connsiteY2" fmla="*/ 4040874 h 4567080"/>
+              <a:gd name="connsiteX3" fmla="*/ 11707453 w 12192000"/>
+              <a:gd name="connsiteY3" fmla="*/ 4125902 h 4567080"/>
+              <a:gd name="connsiteX4" fmla="*/ 6090444 w 12192000"/>
+              <a:gd name="connsiteY4" fmla="*/ 4567080 h 4567080"/>
+              <a:gd name="connsiteX5" fmla="*/ 473435 w 12192000"/>
+              <a:gd name="connsiteY5" fmla="*/ 4125902 h 4567080"/>
+              <a:gd name="connsiteX6" fmla="*/ 0 w 12192000"/>
+              <a:gd name="connsiteY6" fmla="*/ 4042824 h 4567080"/>
+            </a:gdLst>
+            <a:ahLst/>
+            <a:cxnLst>
+              <a:cxn ang="0">
+                <a:pos x="connsiteX0" y="connsiteY0"/>
+              </a:cxn>
+              <a:cxn ang="0">
+                <a:pos x="connsiteX1" y="connsiteY1"/>
+              </a:cxn>
+              <a:cxn ang="0">
+                <a:pos x="connsiteX2" y="connsiteY2"/>
+              </a:cxn>
+              <a:cxn ang="0">
+                <a:pos x="connsiteX3" y="connsiteY3"/>
+              </a:cxn>
+              <a:cxn ang="0">
+                <a:pos x="connsiteX4" y="connsiteY4"/>
+              </a:cxn>
+              <a:cxn ang="0">
+                <a:pos x="connsiteX5" y="connsiteY5"/>
+              </a:cxn>
+              <a:cxn ang="0">
+                <a:pos x="connsiteX6" y="connsiteY6"/>
+              </a:cxn>
+            </a:cxnLst>
+            <a:rect l="l" t="t" r="r" b="b"/>
+            <a:pathLst>
+              <a:path w="12192000" h="4567080">
+                <a:moveTo>
+                  <a:pt x="0" y="0"/>
+                </a:moveTo>
+                <a:lnTo>
+                  <a:pt x="12192000" y="0"/>
+                </a:lnTo>
+                <a:lnTo>
+                  <a:pt x="12192000" y="4040874"/>
+                </a:lnTo>
+                <a:lnTo>
+                  <a:pt x="11707453" y="4125902"/>
+                </a:lnTo>
+                <a:cubicBezTo>
+                  <a:pt x="9955980" y="4411316"/>
+                  <a:pt x="8064085" y="4567080"/>
+                  <a:pt x="6090444" y="4567080"/>
+                </a:cubicBezTo>
+                <a:cubicBezTo>
+                  <a:pt x="4116804" y="4567080"/>
+                  <a:pt x="2224908" y="4411316"/>
+                  <a:pt x="473435" y="4125902"/>
+                </a:cubicBezTo>
+                <a:lnTo>
+                  <a:pt x="0" y="4042824"/>
+                </a:lnTo>
+                <a:close/>
+              </a:path>
+            </a:pathLst>
+          </a:custGeom>
+          <a:ln>
+            <a:noFill/>
+          </a:ln>
+          <a:effectLst>
+            <a:outerShdw blurRad="50800" dist="38100" dir="5400000" algn="t" rotWithShape="0">
+              <a:prstClr val="black">
+                <a:alpha val="40000"/>
+              </a:prstClr>
+            </a:outerShdw>
+          </a:effectLst>
+        </p:spPr>
+        <p:style>
+          <a:lnRef idx="2">
+            <a:schemeClr val="accent1">
+              <a:shade val="50000"/>
+            </a:schemeClr>
+          </a:lnRef>
+          <a:fillRef idx="1">
+            <a:schemeClr val="accent1"/>
+          </a:fillRef>
+          <a:effectRef idx="0">
+            <a:schemeClr val="accent1"/>
+          </a:effectRef>
+          <a:fontRef idx="minor">
+            <a:schemeClr val="lt1"/>
+          </a:fontRef>
+        </p:style>
+        <p:txBody>
+          <a:bodyPr wrap="square" rtlCol="0" anchor="ctr">
+            <a:noAutofit/>
+          </a:bodyPr>
+          <a:lstStyle/>
+          <a:p>
+            <a:pPr algn="ctr"/>
+            <a:endParaRPr lang="en-US"/>
+          </a:p>
+        </p:txBody>
+      </p:sp>
+      <p:sp>
+        <p:nvSpPr>
+          <p:cNvPr id="2" name="Title 1">
+            <a:extLst>
+              <a:ext uri="{FF2B5EF4-FFF2-40B4-BE49-F238E27FC236}">
+                <a16:creationId xmlns:a16="http://schemas.microsoft.com/office/drawing/2014/main" id="{631F1195-10B2-47B2-95C8-D39167FF9756}"/>
+              </a:ext>
+            </a:extLst>
+          </p:cNvPr>
+          <p:cNvSpPr>
+            <a:spLocks noGrp="1"/>
+          </p:cNvSpPr>
+          <p:nvPr>
+            <p:ph type="title"/>
+          </p:nvPr>
+        </p:nvSpPr>
+        <p:spPr>
+          <a:xfrm>
+            <a:off x="1370013" y="1251284"/>
+            <a:ext cx="9440862" cy="2458545"/>
+          </a:xfrm>
+          <a:effectLst/>
+        </p:spPr>
+        <p:txBody>
+          <a:bodyPr vert="horz" lIns="91440" tIns="45720" rIns="91440" bIns="45720" rtlCol="0" anchor="b">
+            <a:normAutofit/>
+          </a:bodyPr>
+          <a:lstStyle/>
+          <a:p>
+            <a:r>
+              <a:rPr lang="en-US" sz="6000"/>
+              <a:t>Thank You!</a:t>
+            </a:r>
+          </a:p>
+        </p:txBody>
+      </p:sp>
+    </p:spTree>
+    <p:extLst>
+      <p:ext uri="{BB962C8B-B14F-4D97-AF65-F5344CB8AC3E}">
+        <p14:creationId xmlns:p14="http://schemas.microsoft.com/office/powerpoint/2010/main" val="1163797379"/>
+      </p:ext>
+    </p:extLst>
+  </p:cSld>
+  <p:clrMapOvr>
+    <a:masterClrMapping/>
+  </p:clrMapOvr>
+</p:sld>
+</file>
+
+<file path=ppt/slides/slide11.xml><?xml version="1.0" encoding="utf-8"?>
 <p:sld xmlns:a="http://schemas.openxmlformats.org/drawingml/2006/main" xmlns:r="http://schemas.openxmlformats.org/officeDocument/2006/relationships" xmlns:p="http://schemas.openxmlformats.org/presentationml/2006/main">
   <p:cSld>
     <p:spTree>
@@ -16410,6 +19525,121 @@
       </p:grpSpPr>
       <p:sp>
         <p:nvSpPr>
+          <p:cNvPr id="2" name="Title 1">
+            <a:extLst>
+              <a:ext uri="{FF2B5EF4-FFF2-40B4-BE49-F238E27FC236}">
+                <a16:creationId xmlns:a16="http://schemas.microsoft.com/office/drawing/2014/main" id="{C3405807-56C4-4CE2-8E45-04F361BA2339}"/>
+              </a:ext>
+            </a:extLst>
+          </p:cNvPr>
+          <p:cNvSpPr>
+            <a:spLocks noGrp="1"/>
+          </p:cNvSpPr>
+          <p:nvPr>
+            <p:ph type="title"/>
+          </p:nvPr>
+        </p:nvSpPr>
+        <p:spPr>
+          <a:xfrm>
+            <a:off x="923925" y="1066800"/>
+            <a:ext cx="10353762" cy="1257300"/>
+          </a:xfrm>
+        </p:spPr>
+        <p:txBody>
+          <a:bodyPr vert="horz" lIns="91440" tIns="45720" rIns="91440" bIns="45720" rtlCol="0" anchor="ctr">
+            <a:normAutofit/>
+          </a:bodyPr>
+          <a:lstStyle/>
+          <a:p>
+            <a:r>
+              <a:rPr lang="en-US" sz="4000" b="1" dirty="0"/>
+              <a:t>Recommendations</a:t>
+            </a:r>
+          </a:p>
+        </p:txBody>
+      </p:sp>
+      <p:graphicFrame>
+        <p:nvGraphicFramePr>
+          <p:cNvPr id="5" name="Content Placeholder 2">
+            <a:extLst>
+              <a:ext uri="{FF2B5EF4-FFF2-40B4-BE49-F238E27FC236}">
+                <a16:creationId xmlns:a16="http://schemas.microsoft.com/office/drawing/2014/main" id="{0E11A956-DA62-48F1-B660-B3C3D5B4E1B3}"/>
+              </a:ext>
+            </a:extLst>
+          </p:cNvPr>
+          <p:cNvGraphicFramePr>
+            <a:graphicFrameLocks noGrp="1"/>
+          </p:cNvGraphicFramePr>
+          <p:nvPr>
+            <p:ph idx="4294967295"/>
+            <p:extLst>
+              <p:ext uri="{D42A27DB-BD31-4B8C-83A1-F6EECF244321}">
+                <p14:modId xmlns:p14="http://schemas.microsoft.com/office/powerpoint/2010/main" val="1783210147"/>
+              </p:ext>
+            </p:extLst>
+          </p:nvPr>
+        </p:nvGraphicFramePr>
+        <p:xfrm>
+          <a:off x="914400" y="2076450"/>
+          <a:ext cx="10353675" cy="3714750"/>
+        </p:xfrm>
+        <a:graphic>
+          <a:graphicData uri="http://schemas.openxmlformats.org/drawingml/2006/diagram">
+            <dgm:relIds xmlns:dgm="http://schemas.openxmlformats.org/drawingml/2006/diagram" xmlns:r="http://schemas.openxmlformats.org/officeDocument/2006/relationships" r:dm="rId3" r:lo="rId4" r:qs="rId5" r:cs="rId6"/>
+          </a:graphicData>
+        </a:graphic>
+      </p:graphicFrame>
+    </p:spTree>
+    <p:extLst>
+      <p:ext uri="{BB962C8B-B14F-4D97-AF65-F5344CB8AC3E}">
+        <p14:creationId xmlns:p14="http://schemas.microsoft.com/office/powerpoint/2010/main" val="34816022"/>
+      </p:ext>
+    </p:extLst>
+  </p:cSld>
+  <p:clrMapOvr>
+    <a:masterClrMapping/>
+  </p:clrMapOvr>
+</p:sld>
+</file>
+
+<file path=ppt/slides/slide9.xml><?xml version="1.0" encoding="utf-8"?>
+<p:sld xmlns:a="http://schemas.openxmlformats.org/drawingml/2006/main" xmlns:r="http://schemas.openxmlformats.org/officeDocument/2006/relationships" xmlns:p="http://schemas.openxmlformats.org/presentationml/2006/main">
+  <p:cSld>
+    <p:bg>
+      <p:bgPr>
+        <a:blipFill rotWithShape="1">
+          <a:blip r:embed="rId2">
+            <a:duotone>
+              <a:schemeClr val="bg1">
+                <a:shade val="80000"/>
+                <a:lumMod val="80000"/>
+              </a:schemeClr>
+              <a:schemeClr val="bg1">
+                <a:tint val="98000"/>
+              </a:schemeClr>
+            </a:duotone>
+          </a:blip>
+          <a:stretch/>
+        </a:blipFill>
+        <a:effectLst/>
+      </p:bgPr>
+    </p:bg>
+    <p:spTree>
+      <p:nvGrpSpPr>
+        <p:cNvPr id="1" name=""/>
+        <p:cNvGrpSpPr/>
+        <p:nvPr/>
+      </p:nvGrpSpPr>
+      <p:grpSpPr>
+        <a:xfrm>
+          <a:off x="0" y="0"/>
+          <a:ext cx="0" cy="0"/>
+          <a:chOff x="0" y="0"/>
+          <a:chExt cx="0" cy="0"/>
+        </a:xfrm>
+      </p:grpSpPr>
+      <p:sp>
+        <p:nvSpPr>
           <p:cNvPr id="12" name="Rectangle 8">
             <a:extLst>
               <a:ext uri="{FF2B5EF4-FFF2-40B4-BE49-F238E27FC236}">
@@ -17067,333 +20297,6 @@
 </p:sld>
 </file>
 
-<file path=ppt/slides/slide9.xml><?xml version="1.0" encoding="utf-8"?>
-<p:sld xmlns:a="http://schemas.openxmlformats.org/drawingml/2006/main" xmlns:r="http://schemas.openxmlformats.org/officeDocument/2006/relationships" xmlns:p="http://schemas.openxmlformats.org/presentationml/2006/main">
-  <p:cSld>
-    <p:bg>
-      <p:bgPr>
-        <a:blipFill rotWithShape="1">
-          <a:blip r:embed="rId2">
-            <a:duotone>
-              <a:schemeClr val="bg1">
-                <a:shade val="80000"/>
-                <a:lumMod val="80000"/>
-              </a:schemeClr>
-              <a:schemeClr val="bg1">
-                <a:tint val="98000"/>
-              </a:schemeClr>
-            </a:duotone>
-          </a:blip>
-          <a:stretch/>
-        </a:blipFill>
-        <a:effectLst/>
-      </p:bgPr>
-    </p:bg>
-    <p:spTree>
-      <p:nvGrpSpPr>
-        <p:cNvPr id="1" name=""/>
-        <p:cNvGrpSpPr/>
-        <p:nvPr/>
-      </p:nvGrpSpPr>
-      <p:grpSpPr>
-        <a:xfrm>
-          <a:off x="0" y="0"/>
-          <a:ext cx="0" cy="0"/>
-          <a:chOff x="0" y="0"/>
-          <a:chExt cx="0" cy="0"/>
-        </a:xfrm>
-      </p:grpSpPr>
-      <p:sp>
-        <p:nvSpPr>
-          <p:cNvPr id="17" name="Rectangle 16">
-            <a:extLst>
-              <a:ext uri="{FF2B5EF4-FFF2-40B4-BE49-F238E27FC236}">
-                <a16:creationId xmlns:a16="http://schemas.microsoft.com/office/drawing/2014/main" id="{8DEB9D55-38C8-45B4-BB2D-4FDBBDB08C37}"/>
-              </a:ext>
-              <a:ext uri="{C183D7F6-B498-43B3-948B-1728B52AA6E4}">
-                <adec:decorative xmlns:adec="http://schemas.microsoft.com/office/drawing/2017/decorative" val="1"/>
-              </a:ext>
-            </a:extLst>
-          </p:cNvPr>
-          <p:cNvSpPr>
-            <a:spLocks noGrp="1" noRot="1" noChangeAspect="1" noMove="1" noResize="1" noEditPoints="1" noAdjustHandles="1" noChangeArrowheads="1" noChangeShapeType="1" noTextEdit="1"/>
-          </p:cNvSpPr>
-          <p:nvPr>
-            <p:extLst>
-              <p:ext uri="{386F3935-93C4-4BCD-93E2-E3B085C9AB24}">
-                <p16:designElem xmlns:p16="http://schemas.microsoft.com/office/powerpoint/2015/main" val="1"/>
-              </p:ext>
-            </p:extLst>
-          </p:nvPr>
-        </p:nvSpPr>
-        <p:spPr>
-          <a:xfrm>
-            <a:off x="0" y="0"/>
-            <a:ext cx="12192000" cy="6858000"/>
-          </a:xfrm>
-          <a:prstGeom prst="rect">
-            <a:avLst/>
-          </a:prstGeom>
-          <a:solidFill>
-            <a:schemeClr val="bg1">
-              <a:lumMod val="85000"/>
-              <a:lumOff val="15000"/>
-            </a:schemeClr>
-          </a:solidFill>
-          <a:ln>
-            <a:noFill/>
-          </a:ln>
-        </p:spPr>
-        <p:style>
-          <a:lnRef idx="2">
-            <a:schemeClr val="accent1">
-              <a:shade val="50000"/>
-            </a:schemeClr>
-          </a:lnRef>
-          <a:fillRef idx="1">
-            <a:schemeClr val="accent1"/>
-          </a:fillRef>
-          <a:effectRef idx="0">
-            <a:schemeClr val="accent1"/>
-          </a:effectRef>
-          <a:fontRef idx="minor">
-            <a:schemeClr val="lt1"/>
-          </a:fontRef>
-        </p:style>
-        <p:txBody>
-          <a:bodyPr rtlCol="0" anchor="ctr"/>
-          <a:lstStyle/>
-          <a:p>
-            <a:pPr algn="ctr"/>
-            <a:endParaRPr lang="en-US" dirty="0"/>
-          </a:p>
-        </p:txBody>
-      </p:sp>
-      <p:sp>
-        <p:nvSpPr>
-          <p:cNvPr id="3" name="Content Placeholder 2">
-            <a:extLst>
-              <a:ext uri="{FF2B5EF4-FFF2-40B4-BE49-F238E27FC236}">
-                <a16:creationId xmlns:a16="http://schemas.microsoft.com/office/drawing/2014/main" id="{DDCA9E6B-5C88-4DBA-9034-83A83900211E}"/>
-              </a:ext>
-            </a:extLst>
-          </p:cNvPr>
-          <p:cNvSpPr>
-            <a:spLocks noGrp="1"/>
-          </p:cNvSpPr>
-          <p:nvPr>
-            <p:ph type="body" idx="1"/>
-          </p:nvPr>
-        </p:nvSpPr>
-        <p:spPr>
-          <a:xfrm>
-            <a:off x="1370013" y="4790049"/>
-            <a:ext cx="9440862" cy="1018534"/>
-          </a:xfrm>
-          <a:effectLst/>
-        </p:spPr>
-        <p:txBody>
-          <a:bodyPr vert="horz" lIns="91440" tIns="45720" rIns="91440" bIns="45720" rtlCol="0" anchor="t">
-            <a:normAutofit/>
-          </a:bodyPr>
-          <a:lstStyle/>
-          <a:p>
-            <a:r>
-              <a:rPr lang="en-US" sz="2400"/>
-              <a:t>Any questions?</a:t>
-            </a:r>
-          </a:p>
-        </p:txBody>
-      </p:sp>
-      <p:sp useBgFill="1">
-        <p:nvSpPr>
-          <p:cNvPr id="19" name="Freeform: Shape 18">
-            <a:extLst>
-              <a:ext uri="{FF2B5EF4-FFF2-40B4-BE49-F238E27FC236}">
-                <a16:creationId xmlns:a16="http://schemas.microsoft.com/office/drawing/2014/main" id="{B40DDA79-7866-468E-A33D-D8341D900EC5}"/>
-              </a:ext>
-              <a:ext uri="{C183D7F6-B498-43B3-948B-1728B52AA6E4}">
-                <adec:decorative xmlns:adec="http://schemas.microsoft.com/office/drawing/2017/decorative" val="1"/>
-              </a:ext>
-            </a:extLst>
-          </p:cNvPr>
-          <p:cNvSpPr>
-            <a:spLocks noGrp="1" noRot="1" noChangeAspect="1" noMove="1" noResize="1" noEditPoints="1" noAdjustHandles="1" noChangeArrowheads="1" noChangeShapeType="1" noTextEdit="1"/>
-          </p:cNvSpPr>
-          <p:nvPr>
-            <p:extLst>
-              <p:ext uri="{386F3935-93C4-4BCD-93E2-E3B085C9AB24}">
-                <p16:designElem xmlns:p16="http://schemas.microsoft.com/office/powerpoint/2015/main" val="1"/>
-              </p:ext>
-            </p:extLst>
-          </p:nvPr>
-        </p:nvSpPr>
-        <p:spPr>
-          <a:xfrm>
-            <a:off x="0" y="0"/>
-            <a:ext cx="12192000" cy="4567080"/>
-          </a:xfrm>
-          <a:custGeom>
-            <a:avLst/>
-            <a:gdLst>
-              <a:gd name="connsiteX0" fmla="*/ 0 w 12192000"/>
-              <a:gd name="connsiteY0" fmla="*/ 0 h 4567080"/>
-              <a:gd name="connsiteX1" fmla="*/ 12192000 w 12192000"/>
-              <a:gd name="connsiteY1" fmla="*/ 0 h 4567080"/>
-              <a:gd name="connsiteX2" fmla="*/ 12192000 w 12192000"/>
-              <a:gd name="connsiteY2" fmla="*/ 4040874 h 4567080"/>
-              <a:gd name="connsiteX3" fmla="*/ 11707453 w 12192000"/>
-              <a:gd name="connsiteY3" fmla="*/ 4125902 h 4567080"/>
-              <a:gd name="connsiteX4" fmla="*/ 6090444 w 12192000"/>
-              <a:gd name="connsiteY4" fmla="*/ 4567080 h 4567080"/>
-              <a:gd name="connsiteX5" fmla="*/ 473435 w 12192000"/>
-              <a:gd name="connsiteY5" fmla="*/ 4125902 h 4567080"/>
-              <a:gd name="connsiteX6" fmla="*/ 0 w 12192000"/>
-              <a:gd name="connsiteY6" fmla="*/ 4042824 h 4567080"/>
-            </a:gdLst>
-            <a:ahLst/>
-            <a:cxnLst>
-              <a:cxn ang="0">
-                <a:pos x="connsiteX0" y="connsiteY0"/>
-              </a:cxn>
-              <a:cxn ang="0">
-                <a:pos x="connsiteX1" y="connsiteY1"/>
-              </a:cxn>
-              <a:cxn ang="0">
-                <a:pos x="connsiteX2" y="connsiteY2"/>
-              </a:cxn>
-              <a:cxn ang="0">
-                <a:pos x="connsiteX3" y="connsiteY3"/>
-              </a:cxn>
-              <a:cxn ang="0">
-                <a:pos x="connsiteX4" y="connsiteY4"/>
-              </a:cxn>
-              <a:cxn ang="0">
-                <a:pos x="connsiteX5" y="connsiteY5"/>
-              </a:cxn>
-              <a:cxn ang="0">
-                <a:pos x="connsiteX6" y="connsiteY6"/>
-              </a:cxn>
-            </a:cxnLst>
-            <a:rect l="l" t="t" r="r" b="b"/>
-            <a:pathLst>
-              <a:path w="12192000" h="4567080">
-                <a:moveTo>
-                  <a:pt x="0" y="0"/>
-                </a:moveTo>
-                <a:lnTo>
-                  <a:pt x="12192000" y="0"/>
-                </a:lnTo>
-                <a:lnTo>
-                  <a:pt x="12192000" y="4040874"/>
-                </a:lnTo>
-                <a:lnTo>
-                  <a:pt x="11707453" y="4125902"/>
-                </a:lnTo>
-                <a:cubicBezTo>
-                  <a:pt x="9955980" y="4411316"/>
-                  <a:pt x="8064085" y="4567080"/>
-                  <a:pt x="6090444" y="4567080"/>
-                </a:cubicBezTo>
-                <a:cubicBezTo>
-                  <a:pt x="4116804" y="4567080"/>
-                  <a:pt x="2224908" y="4411316"/>
-                  <a:pt x="473435" y="4125902"/>
-                </a:cubicBezTo>
-                <a:lnTo>
-                  <a:pt x="0" y="4042824"/>
-                </a:lnTo>
-                <a:close/>
-              </a:path>
-            </a:pathLst>
-          </a:custGeom>
-          <a:ln>
-            <a:noFill/>
-          </a:ln>
-          <a:effectLst>
-            <a:outerShdw blurRad="50800" dist="38100" dir="5400000" algn="t" rotWithShape="0">
-              <a:prstClr val="black">
-                <a:alpha val="40000"/>
-              </a:prstClr>
-            </a:outerShdw>
-          </a:effectLst>
-        </p:spPr>
-        <p:style>
-          <a:lnRef idx="2">
-            <a:schemeClr val="accent1">
-              <a:shade val="50000"/>
-            </a:schemeClr>
-          </a:lnRef>
-          <a:fillRef idx="1">
-            <a:schemeClr val="accent1"/>
-          </a:fillRef>
-          <a:effectRef idx="0">
-            <a:schemeClr val="accent1"/>
-          </a:effectRef>
-          <a:fontRef idx="minor">
-            <a:schemeClr val="lt1"/>
-          </a:fontRef>
-        </p:style>
-        <p:txBody>
-          <a:bodyPr wrap="square" rtlCol="0" anchor="ctr">
-            <a:noAutofit/>
-          </a:bodyPr>
-          <a:lstStyle/>
-          <a:p>
-            <a:pPr algn="ctr"/>
-            <a:endParaRPr lang="en-US"/>
-          </a:p>
-        </p:txBody>
-      </p:sp>
-      <p:sp>
-        <p:nvSpPr>
-          <p:cNvPr id="2" name="Title 1">
-            <a:extLst>
-              <a:ext uri="{FF2B5EF4-FFF2-40B4-BE49-F238E27FC236}">
-                <a16:creationId xmlns:a16="http://schemas.microsoft.com/office/drawing/2014/main" id="{631F1195-10B2-47B2-95C8-D39167FF9756}"/>
-              </a:ext>
-            </a:extLst>
-          </p:cNvPr>
-          <p:cNvSpPr>
-            <a:spLocks noGrp="1"/>
-          </p:cNvSpPr>
-          <p:nvPr>
-            <p:ph type="title"/>
-          </p:nvPr>
-        </p:nvSpPr>
-        <p:spPr>
-          <a:xfrm>
-            <a:off x="1370013" y="1251284"/>
-            <a:ext cx="9440862" cy="2458545"/>
-          </a:xfrm>
-          <a:effectLst/>
-        </p:spPr>
-        <p:txBody>
-          <a:bodyPr vert="horz" lIns="91440" tIns="45720" rIns="91440" bIns="45720" rtlCol="0" anchor="b">
-            <a:normAutofit/>
-          </a:bodyPr>
-          <a:lstStyle/>
-          <a:p>
-            <a:r>
-              <a:rPr lang="en-US" sz="6000"/>
-              <a:t>Thank You!</a:t>
-            </a:r>
-          </a:p>
-        </p:txBody>
-      </p:sp>
-    </p:spTree>
-    <p:extLst>
-      <p:ext uri="{BB962C8B-B14F-4D97-AF65-F5344CB8AC3E}">
-        <p14:creationId xmlns:p14="http://schemas.microsoft.com/office/powerpoint/2010/main" val="1163797379"/>
-      </p:ext>
-    </p:extLst>
-  </p:cSld>
-  <p:clrMapOvr>
-    <a:masterClrMapping/>
-  </p:clrMapOvr>
-</p:sld>
-</file>
-
 <file path=ppt/theme/theme1.xml><?xml version="1.0" encoding="utf-8"?>
 <a:theme xmlns:a="http://schemas.openxmlformats.org/drawingml/2006/main" name="SlateVTI">
   <a:themeElements>
@@ -17958,6 +20861,24 @@
 </file>
 
 <file path=customXml/item1.xml><?xml version="1.0" encoding="utf-8"?>
+<?mso-contentType ?>
+<FormTemplates xmlns="http://schemas.microsoft.com/sharepoint/v3/contenttype/forms">
+  <Display>DocumentLibraryForm</Display>
+  <Edit>DocumentLibraryForm</Edit>
+  <New>DocumentLibraryForm</New>
+</FormTemplates>
+</file>
+
+<file path=customXml/item2.xml><?xml version="1.0" encoding="utf-8"?>
+<p:properties xmlns:p="http://schemas.microsoft.com/office/2006/metadata/properties" xmlns:xsi="http://www.w3.org/2001/XMLSchema-instance" xmlns:pc="http://schemas.microsoft.com/office/infopath/2007/PartnerControls">
+  <documentManagement>
+    <Status xmlns="71af3243-3dd4-4a8d-8c0d-dd76da1f02a5">Not started</Status>
+    <MediaServiceKeyPoints xmlns="71af3243-3dd4-4a8d-8c0d-dd76da1f02a5" xsi:nil="true"/>
+  </documentManagement>
+</p:properties>
+</file>
+
+<file path=customXml/item3.xml><?xml version="1.0" encoding="utf-8"?>
 <ct:contentTypeSchema xmlns:ct="http://schemas.microsoft.com/office/2006/metadata/contentType" xmlns:ma="http://schemas.microsoft.com/office/2006/metadata/properties/metaAttributes" ct:_="" ma:_="" ma:contentTypeName="Document" ma:contentTypeID="0x01010079F111ED35F8CC479449609E8A0923A6" ma:contentTypeVersion="12" ma:contentTypeDescription="Create a new document." ma:contentTypeScope="" ma:versionID="a410dd7f93c95333ffa1b60ed6adedd1">
   <xsd:schema xmlns:xsd="http://www.w3.org/2001/XMLSchema" xmlns:xs="http://www.w3.org/2001/XMLSchema" xmlns:p="http://schemas.microsoft.com/office/2006/metadata/properties" xmlns:ns2="71af3243-3dd4-4a8d-8c0d-dd76da1f02a5" xmlns:ns3="16c05727-aa75-4e4a-9b5f-8a80a1165891" targetNamespace="http://schemas.microsoft.com/office/2006/metadata/properties" ma:root="true" ma:fieldsID="a936d9baba76aa3866493feff160faab" ns2:_="" ns3:_="">
     <xsd:import namespace="71af3243-3dd4-4a8d-8c0d-dd76da1f02a5"/>
@@ -18178,25 +21099,25 @@
 </ct:contentTypeSchema>
 </file>
 
-<file path=customXml/item2.xml><?xml version="1.0" encoding="utf-8"?>
-<p:properties xmlns:p="http://schemas.microsoft.com/office/2006/metadata/properties" xmlns:xsi="http://www.w3.org/2001/XMLSchema-instance" xmlns:pc="http://schemas.microsoft.com/office/infopath/2007/PartnerControls">
-  <documentManagement>
-    <Status xmlns="71af3243-3dd4-4a8d-8c0d-dd76da1f02a5">Not started</Status>
-    <MediaServiceKeyPoints xmlns="71af3243-3dd4-4a8d-8c0d-dd76da1f02a5" xsi:nil="true"/>
-  </documentManagement>
-</p:properties>
+<file path=customXml/itemProps1.xml><?xml version="1.0" encoding="utf-8"?>
+<ds:datastoreItem xmlns:ds="http://schemas.openxmlformats.org/officeDocument/2006/customXml" ds:itemID="{63D38F1F-4760-49B9-B932-28FBC1D6D945}">
+  <ds:schemaRefs>
+    <ds:schemaRef ds:uri="http://schemas.microsoft.com/sharepoint/v3/contenttype/forms"/>
+  </ds:schemaRefs>
+</ds:datastoreItem>
 </file>
 
-<file path=customXml/item3.xml><?xml version="1.0" encoding="utf-8"?>
-<?mso-contentType ?>
-<FormTemplates xmlns="http://schemas.microsoft.com/sharepoint/v3/contenttype/forms">
-  <Display>DocumentLibraryForm</Display>
-  <Edit>DocumentLibraryForm</Edit>
-  <New>DocumentLibraryForm</New>
-</FormTemplates>
+<file path=customXml/itemProps2.xml><?xml version="1.0" encoding="utf-8"?>
+<ds:datastoreItem xmlns:ds="http://schemas.openxmlformats.org/officeDocument/2006/customXml" ds:itemID="{E94D590D-28CA-4FA8-91F0-B6B7E0C703A4}">
+  <ds:schemaRefs>
+    <ds:schemaRef ds:uri="http://schemas.microsoft.com/office/2006/metadata/properties"/>
+    <ds:schemaRef ds:uri="http://schemas.microsoft.com/office/infopath/2007/PartnerControls"/>
+    <ds:schemaRef ds:uri="71af3243-3dd4-4a8d-8c0d-dd76da1f02a5"/>
+  </ds:schemaRefs>
+</ds:datastoreItem>
 </file>
 
-<file path=customXml/itemProps1.xml><?xml version="1.0" encoding="utf-8"?>
+<file path=customXml/itemProps3.xml><?xml version="1.0" encoding="utf-8"?>
 <ds:datastoreItem xmlns:ds="http://schemas.openxmlformats.org/officeDocument/2006/customXml" ds:itemID="{2A87E85C-0CEC-459D-BBD7-FA4EF075C724}">
   <ds:schemaRefs>
     <ds:schemaRef ds:uri="http://schemas.microsoft.com/office/2006/metadata/contentType"/>
@@ -18213,22 +21134,4 @@
     <ds:schemaRef ds:uri="http://schemas.microsoft.com/internal/obd"/>
   </ds:schemaRefs>
 </ds:datastoreItem>
-</file>
-
-<file path=customXml/itemProps2.xml><?xml version="1.0" encoding="utf-8"?>
-<ds:datastoreItem xmlns:ds="http://schemas.openxmlformats.org/officeDocument/2006/customXml" ds:itemID="{E94D590D-28CA-4FA8-91F0-B6B7E0C703A4}">
-  <ds:schemaRefs>
-    <ds:schemaRef ds:uri="http://schemas.microsoft.com/office/2006/metadata/properties"/>
-    <ds:schemaRef ds:uri="http://schemas.microsoft.com/office/infopath/2007/PartnerControls"/>
-    <ds:schemaRef ds:uri="71af3243-3dd4-4a8d-8c0d-dd76da1f02a5"/>
-  </ds:schemaRefs>
-</ds:datastoreItem>
-</file>
-
-<file path=customXml/itemProps3.xml><?xml version="1.0" encoding="utf-8"?>
-<ds:datastoreItem xmlns:ds="http://schemas.openxmlformats.org/officeDocument/2006/customXml" ds:itemID="{63D38F1F-4760-49B9-B932-28FBC1D6D945}">
-  <ds:schemaRefs>
-    <ds:schemaRef ds:uri="http://schemas.microsoft.com/sharepoint/v3/contenttype/forms"/>
-  </ds:schemaRefs>
-</ds:datastoreItem>
 </file>